--- a/figures/modelisation/evaluation_schema.pptx
+++ b/figures/modelisation/evaluation_schema.pptx
@@ -104,6 +104,11 @@
       </a:defRPr>
     </a:lvl9pPr>
   </p:defaultTextStyle>
+  <p:extLst>
+    <p:ext uri="{EFAFB233-063F-42B5-8137-9DF3F51BA10A}">
+      <p15:sldGuideLst xmlns:p15="http://schemas.microsoft.com/office/powerpoint/2012/main"/>
+    </p:ext>
+  </p:extLst>
 </p:presentation>
 </file>
 
@@ -238,7 +243,7 @@
           <a:p>
             <a:fld id="{CA5A1390-2B05-4BE7-BB63-A86E44CA876A}" type="datetimeFigureOut">
               <a:rPr lang="fr-FR" smtClean="0"/>
-              <a:t>24/05/2023</a:t>
+              <a:t>23/06/2023</a:t>
             </a:fld>
             <a:endParaRPr lang="fr-FR"/>
           </a:p>
@@ -408,7 +413,7 @@
           <a:p>
             <a:fld id="{CA5A1390-2B05-4BE7-BB63-A86E44CA876A}" type="datetimeFigureOut">
               <a:rPr lang="fr-FR" smtClean="0"/>
-              <a:t>24/05/2023</a:t>
+              <a:t>23/06/2023</a:t>
             </a:fld>
             <a:endParaRPr lang="fr-FR"/>
           </a:p>
@@ -588,7 +593,7 @@
           <a:p>
             <a:fld id="{CA5A1390-2B05-4BE7-BB63-A86E44CA876A}" type="datetimeFigureOut">
               <a:rPr lang="fr-FR" smtClean="0"/>
-              <a:t>24/05/2023</a:t>
+              <a:t>23/06/2023</a:t>
             </a:fld>
             <a:endParaRPr lang="fr-FR"/>
           </a:p>
@@ -758,7 +763,7 @@
           <a:p>
             <a:fld id="{CA5A1390-2B05-4BE7-BB63-A86E44CA876A}" type="datetimeFigureOut">
               <a:rPr lang="fr-FR" smtClean="0"/>
-              <a:t>24/05/2023</a:t>
+              <a:t>23/06/2023</a:t>
             </a:fld>
             <a:endParaRPr lang="fr-FR"/>
           </a:p>
@@ -1002,7 +1007,7 @@
           <a:p>
             <a:fld id="{CA5A1390-2B05-4BE7-BB63-A86E44CA876A}" type="datetimeFigureOut">
               <a:rPr lang="fr-FR" smtClean="0"/>
-              <a:t>24/05/2023</a:t>
+              <a:t>23/06/2023</a:t>
             </a:fld>
             <a:endParaRPr lang="fr-FR"/>
           </a:p>
@@ -1234,7 +1239,7 @@
           <a:p>
             <a:fld id="{CA5A1390-2B05-4BE7-BB63-A86E44CA876A}" type="datetimeFigureOut">
               <a:rPr lang="fr-FR" smtClean="0"/>
-              <a:t>24/05/2023</a:t>
+              <a:t>23/06/2023</a:t>
             </a:fld>
             <a:endParaRPr lang="fr-FR"/>
           </a:p>
@@ -1601,7 +1606,7 @@
           <a:p>
             <a:fld id="{CA5A1390-2B05-4BE7-BB63-A86E44CA876A}" type="datetimeFigureOut">
               <a:rPr lang="fr-FR" smtClean="0"/>
-              <a:t>24/05/2023</a:t>
+              <a:t>23/06/2023</a:t>
             </a:fld>
             <a:endParaRPr lang="fr-FR"/>
           </a:p>
@@ -1719,7 +1724,7 @@
           <a:p>
             <a:fld id="{CA5A1390-2B05-4BE7-BB63-A86E44CA876A}" type="datetimeFigureOut">
               <a:rPr lang="fr-FR" smtClean="0"/>
-              <a:t>24/05/2023</a:t>
+              <a:t>23/06/2023</a:t>
             </a:fld>
             <a:endParaRPr lang="fr-FR"/>
           </a:p>
@@ -1814,7 +1819,7 @@
           <a:p>
             <a:fld id="{CA5A1390-2B05-4BE7-BB63-A86E44CA876A}" type="datetimeFigureOut">
               <a:rPr lang="fr-FR" smtClean="0"/>
-              <a:t>24/05/2023</a:t>
+              <a:t>23/06/2023</a:t>
             </a:fld>
             <a:endParaRPr lang="fr-FR"/>
           </a:p>
@@ -2091,7 +2096,7 @@
           <a:p>
             <a:fld id="{CA5A1390-2B05-4BE7-BB63-A86E44CA876A}" type="datetimeFigureOut">
               <a:rPr lang="fr-FR" smtClean="0"/>
-              <a:t>24/05/2023</a:t>
+              <a:t>23/06/2023</a:t>
             </a:fld>
             <a:endParaRPr lang="fr-FR"/>
           </a:p>
@@ -2348,7 +2353,7 @@
           <a:p>
             <a:fld id="{CA5A1390-2B05-4BE7-BB63-A86E44CA876A}" type="datetimeFigureOut">
               <a:rPr lang="fr-FR" smtClean="0"/>
-              <a:t>24/05/2023</a:t>
+              <a:t>23/06/2023</a:t>
             </a:fld>
             <a:endParaRPr lang="fr-FR"/>
           </a:p>
@@ -2561,7 +2566,7 @@
           <a:p>
             <a:fld id="{CA5A1390-2B05-4BE7-BB63-A86E44CA876A}" type="datetimeFigureOut">
               <a:rPr lang="fr-FR" smtClean="0"/>
-              <a:t>24/05/2023</a:t>
+              <a:t>23/06/2023</a:t>
             </a:fld>
             <a:endParaRPr lang="fr-FR"/>
           </a:p>
@@ -2968,10 +2973,10 @@
       </p:grpSpPr>
       <p:grpSp>
         <p:nvGrpSpPr>
-          <p:cNvPr id="66" name="Groupe 65">
+          <p:cNvPr id="3" name="Groupe 2">
             <a:extLst>
               <a:ext uri="{FF2B5EF4-FFF2-40B4-BE49-F238E27FC236}">
-                <a16:creationId xmlns:a16="http://schemas.microsoft.com/office/drawing/2014/main" id="{C75480BC-0CA1-F0BB-3F9B-F0B70EE6778E}"/>
+                <a16:creationId xmlns:a16="http://schemas.microsoft.com/office/drawing/2014/main" id="{526A515D-5787-CCC9-8EF3-534C05C37C90}"/>
               </a:ext>
             </a:extLst>
           </p:cNvPr>
@@ -2980,173 +2985,18 @@
         </p:nvGrpSpPr>
         <p:grpSpPr>
           <a:xfrm>
-            <a:off x="292951" y="943633"/>
-            <a:ext cx="11553609" cy="14295298"/>
-            <a:chOff x="292951" y="943633"/>
-            <a:chExt cx="11553609" cy="14295298"/>
+            <a:off x="1447564" y="513775"/>
+            <a:ext cx="10134664" cy="14760241"/>
+            <a:chOff x="1447564" y="513775"/>
+            <a:chExt cx="10134664" cy="14760241"/>
           </a:xfrm>
         </p:grpSpPr>
-        <p:sp>
-          <p:nvSpPr>
-            <p:cNvPr id="4" name="ZoneTexte 3">
+        <p:grpSp>
+          <p:nvGrpSpPr>
+            <p:cNvPr id="66" name="Groupe 65">
               <a:extLst>
                 <a:ext uri="{FF2B5EF4-FFF2-40B4-BE49-F238E27FC236}">
-                  <a16:creationId xmlns:a16="http://schemas.microsoft.com/office/drawing/2014/main" id="{3FABC17A-7482-26D6-44E2-B49A6010BF60}"/>
-                </a:ext>
-              </a:extLst>
-            </p:cNvPr>
-            <p:cNvSpPr txBox="1"/>
-            <p:nvPr/>
-          </p:nvSpPr>
-          <p:spPr>
-            <a:xfrm>
-              <a:off x="3153748" y="943633"/>
-              <a:ext cx="1791476" cy="1492899"/>
-            </a:xfrm>
-            <a:prstGeom prst="rect">
-              <a:avLst/>
-            </a:prstGeom>
-            <a:noFill/>
-            <a:ln w="38100">
-              <a:solidFill>
-                <a:schemeClr val="tx1"/>
-              </a:solidFill>
-            </a:ln>
-          </p:spPr>
-          <p:txBody>
-            <a:bodyPr wrap="square" rtlCol="0">
-              <a:normAutofit/>
-            </a:bodyPr>
-            <a:lstStyle/>
-            <a:p>
-              <a:r>
-                <a:rPr lang="fr-FR" b="1" u="sng" dirty="0"/>
-                <a:t>Raw triplets</a:t>
-              </a:r>
-            </a:p>
-            <a:p>
-              <a:pPr marL="285750" indent="-285750">
-                <a:buFontTx/>
-                <a:buChar char="-"/>
-              </a:pPr>
-              <a:r>
-                <a:rPr lang="fr-FR" dirty="0" err="1"/>
-                <a:t>user_id</a:t>
-              </a:r>
-              <a:endParaRPr lang="fr-FR" dirty="0"/>
-            </a:p>
-            <a:p>
-              <a:pPr marL="285750" indent="-285750">
-                <a:buFontTx/>
-                <a:buChar char="-"/>
-              </a:pPr>
-              <a:r>
-                <a:rPr lang="fr-FR" dirty="0" err="1"/>
-                <a:t>tracks_id</a:t>
-              </a:r>
-              <a:endParaRPr lang="fr-FR" dirty="0"/>
-            </a:p>
-            <a:p>
-              <a:pPr marL="285750" indent="-285750">
-                <a:buFontTx/>
-                <a:buChar char="-"/>
-              </a:pPr>
-              <a:r>
-                <a:rPr lang="fr-FR" dirty="0" err="1"/>
-                <a:t>n_listen</a:t>
-              </a:r>
-              <a:endParaRPr lang="fr-FR" dirty="0"/>
-            </a:p>
-          </p:txBody>
-        </p:sp>
-        <p:sp>
-          <p:nvSpPr>
-            <p:cNvPr id="11" name="ZoneTexte 10">
-              <a:extLst>
-                <a:ext uri="{FF2B5EF4-FFF2-40B4-BE49-F238E27FC236}">
-                  <a16:creationId xmlns:a16="http://schemas.microsoft.com/office/drawing/2014/main" id="{E4D1BB4A-E4B0-3066-0950-B351F8B98417}"/>
-                </a:ext>
-              </a:extLst>
-            </p:cNvPr>
-            <p:cNvSpPr txBox="1"/>
-            <p:nvPr/>
-          </p:nvSpPr>
-          <p:spPr>
-            <a:xfrm>
-              <a:off x="6077340" y="943633"/>
-              <a:ext cx="1791476" cy="1492899"/>
-            </a:xfrm>
-            <a:prstGeom prst="rect">
-              <a:avLst/>
-            </a:prstGeom>
-            <a:noFill/>
-            <a:ln w="38100">
-              <a:solidFill>
-                <a:schemeClr val="tx1"/>
-              </a:solidFill>
-            </a:ln>
-          </p:spPr>
-          <p:txBody>
-            <a:bodyPr wrap="square" rtlCol="0">
-              <a:normAutofit/>
-            </a:bodyPr>
-            <a:lstStyle/>
-            <a:p>
-              <a:r>
-                <a:rPr lang="fr-FR" b="1" u="sng" dirty="0"/>
-                <a:t>Tracks </a:t>
-              </a:r>
-              <a:r>
-                <a:rPr lang="fr-FR" b="1" u="sng" dirty="0" err="1"/>
-                <a:t>features</a:t>
-              </a:r>
-              <a:endParaRPr lang="fr-FR" b="1" u="sng" dirty="0"/>
-            </a:p>
-            <a:p>
-              <a:pPr marL="285750" indent="-285750">
-                <a:buFontTx/>
-                <a:buChar char="-"/>
-              </a:pPr>
-              <a:r>
-                <a:rPr lang="fr-FR" dirty="0" err="1"/>
-                <a:t>tracks_id</a:t>
-              </a:r>
-              <a:endParaRPr lang="fr-FR" dirty="0"/>
-            </a:p>
-            <a:p>
-              <a:pPr marL="285750" indent="-285750">
-                <a:buFontTx/>
-                <a:buChar char="-"/>
-              </a:pPr>
-              <a:r>
-                <a:rPr lang="fr-FR" dirty="0" err="1"/>
-                <a:t>metadata</a:t>
-              </a:r>
-              <a:endParaRPr lang="fr-FR" dirty="0"/>
-            </a:p>
-            <a:p>
-              <a:pPr marL="285750" indent="-285750">
-                <a:buFontTx/>
-                <a:buChar char="-"/>
-              </a:pPr>
-              <a:r>
-                <a:rPr lang="fr-FR" dirty="0"/>
-                <a:t>musical </a:t>
-              </a:r>
-              <a:r>
-                <a:rPr lang="fr-FR" dirty="0" err="1"/>
-                <a:t>features</a:t>
-              </a:r>
-              <a:endParaRPr lang="fr-FR" dirty="0"/>
-            </a:p>
-          </p:txBody>
-        </p:sp>
-        <p:grpSp>
-          <p:nvGrpSpPr>
-            <p:cNvPr id="21" name="Groupe 20">
-              <a:extLst>
-                <a:ext uri="{FF2B5EF4-FFF2-40B4-BE49-F238E27FC236}">
-                  <a16:creationId xmlns:a16="http://schemas.microsoft.com/office/drawing/2014/main" id="{A6DDA241-CC27-B313-9180-AA07FC49C14D}"/>
+                  <a16:creationId xmlns:a16="http://schemas.microsoft.com/office/drawing/2014/main" id="{C75480BC-0CA1-F0BB-3F9B-F0B70EE6778E}"/>
                 </a:ext>
               </a:extLst>
             </p:cNvPr>
@@ -3154,19 +3004,221 @@
             <p:nvPr/>
           </p:nvGrpSpPr>
           <p:grpSpPr>
-            <a:xfrm rot="5400000">
-              <a:off x="5196059" y="1559456"/>
-              <a:ext cx="634485" cy="2388637"/>
-              <a:chOff x="2724539" y="1175657"/>
-              <a:chExt cx="1243067" cy="2388637"/>
+            <a:xfrm>
+              <a:off x="1447564" y="513775"/>
+              <a:ext cx="10134664" cy="14760241"/>
+              <a:chOff x="1484888" y="478690"/>
+              <a:chExt cx="10134664" cy="14760241"/>
             </a:xfrm>
           </p:grpSpPr>
           <p:sp>
             <p:nvSpPr>
-              <p:cNvPr id="13" name="Accolade fermante 12">
+              <p:cNvPr id="4" name="ZoneTexte 3">
                 <a:extLst>
                   <a:ext uri="{FF2B5EF4-FFF2-40B4-BE49-F238E27FC236}">
-                    <a16:creationId xmlns:a16="http://schemas.microsoft.com/office/drawing/2014/main" id="{ED90A42E-E341-D002-238B-95B39D2A547B}"/>
+                    <a16:creationId xmlns:a16="http://schemas.microsoft.com/office/drawing/2014/main" id="{3FABC17A-7482-26D6-44E2-B49A6010BF60}"/>
+                  </a:ext>
+                </a:extLst>
+              </p:cNvPr>
+              <p:cNvSpPr txBox="1"/>
+              <p:nvPr/>
+            </p:nvSpPr>
+            <p:spPr>
+              <a:xfrm>
+                <a:off x="4619543" y="478690"/>
+                <a:ext cx="1791476" cy="1492899"/>
+              </a:xfrm>
+              <a:prstGeom prst="rect">
+                <a:avLst/>
+              </a:prstGeom>
+              <a:noFill/>
+              <a:ln w="38100">
+                <a:solidFill>
+                  <a:schemeClr val="tx1"/>
+                </a:solidFill>
+              </a:ln>
+            </p:spPr>
+            <p:txBody>
+              <a:bodyPr wrap="square" rtlCol="0">
+                <a:normAutofit/>
+              </a:bodyPr>
+              <a:lstStyle/>
+              <a:p>
+                <a:r>
+                  <a:rPr lang="fr-FR" b="1" u="sng" dirty="0"/>
+                  <a:t>Raw playlist</a:t>
+                </a:r>
+              </a:p>
+              <a:p>
+                <a:pPr marL="285750" indent="-285750">
+                  <a:buFontTx/>
+                  <a:buChar char="-"/>
+                </a:pPr>
+                <a:r>
+                  <a:rPr lang="fr-FR" dirty="0" err="1"/>
+                  <a:t>user_id</a:t>
+                </a:r>
+                <a:endParaRPr lang="fr-FR" dirty="0"/>
+              </a:p>
+              <a:p>
+                <a:pPr marL="285750" indent="-285750">
+                  <a:buFontTx/>
+                  <a:buChar char="-"/>
+                </a:pPr>
+                <a:r>
+                  <a:rPr lang="fr-FR" dirty="0" err="1"/>
+                  <a:t>tracks_id</a:t>
+                </a:r>
+                <a:endParaRPr lang="fr-FR" dirty="0"/>
+              </a:p>
+              <a:p>
+                <a:pPr marL="285750" indent="-285750">
+                  <a:buFontTx/>
+                  <a:buChar char="-"/>
+                </a:pPr>
+                <a:r>
+                  <a:rPr lang="fr-FR" dirty="0" err="1"/>
+                  <a:t>n_listen</a:t>
+                </a:r>
+                <a:endParaRPr lang="fr-FR" dirty="0"/>
+              </a:p>
+            </p:txBody>
+          </p:sp>
+          <p:sp>
+            <p:nvSpPr>
+              <p:cNvPr id="11" name="ZoneTexte 10">
+                <a:extLst>
+                  <a:ext uri="{FF2B5EF4-FFF2-40B4-BE49-F238E27FC236}">
+                    <a16:creationId xmlns:a16="http://schemas.microsoft.com/office/drawing/2014/main" id="{E4D1BB4A-E4B0-3066-0950-B351F8B98417}"/>
+                  </a:ext>
+                </a:extLst>
+              </p:cNvPr>
+              <p:cNvSpPr txBox="1"/>
+              <p:nvPr/>
+            </p:nvSpPr>
+            <p:spPr>
+              <a:xfrm>
+                <a:off x="4585438" y="9625911"/>
+                <a:ext cx="1791476" cy="1844431"/>
+              </a:xfrm>
+              <a:prstGeom prst="rect">
+                <a:avLst/>
+              </a:prstGeom>
+              <a:noFill/>
+              <a:ln w="38100">
+                <a:solidFill>
+                  <a:schemeClr val="tx1"/>
+                </a:solidFill>
+              </a:ln>
+            </p:spPr>
+            <p:txBody>
+              <a:bodyPr wrap="square" rtlCol="0">
+                <a:normAutofit/>
+              </a:bodyPr>
+              <a:lstStyle/>
+              <a:p>
+                <a:r>
+                  <a:rPr lang="fr-FR" b="1" u="sng" dirty="0"/>
+                  <a:t>Tracks </a:t>
+                </a:r>
+                <a:r>
+                  <a:rPr lang="fr-FR" b="1" u="sng" dirty="0" err="1"/>
+                  <a:t>features</a:t>
+                </a:r>
+                <a:endParaRPr lang="fr-FR" b="1" u="sng" dirty="0"/>
+              </a:p>
+              <a:p>
+                <a:pPr marL="285750" indent="-285750">
+                  <a:buFontTx/>
+                  <a:buChar char="-"/>
+                </a:pPr>
+                <a:r>
+                  <a:rPr lang="fr-FR" dirty="0" err="1"/>
+                  <a:t>tracks_id</a:t>
+                </a:r>
+                <a:endParaRPr lang="fr-FR" dirty="0"/>
+              </a:p>
+              <a:p>
+                <a:pPr marL="285750" indent="-285750">
+                  <a:buFontTx/>
+                  <a:buChar char="-"/>
+                </a:pPr>
+                <a:r>
+                  <a:rPr lang="fr-FR" dirty="0" err="1"/>
+                  <a:t>metadata</a:t>
+                </a:r>
+                <a:endParaRPr lang="fr-FR" dirty="0"/>
+              </a:p>
+              <a:p>
+                <a:pPr marL="285750" indent="-285750">
+                  <a:buFontTx/>
+                  <a:buChar char="-"/>
+                </a:pPr>
+                <a:r>
+                  <a:rPr lang="fr-FR" dirty="0"/>
+                  <a:t>musical </a:t>
+                </a:r>
+                <a:r>
+                  <a:rPr lang="fr-FR" dirty="0" err="1"/>
+                  <a:t>features</a:t>
+                </a:r>
+                <a:endParaRPr lang="fr-FR" dirty="0"/>
+              </a:p>
+            </p:txBody>
+          </p:sp>
+          <p:cxnSp>
+            <p:nvCxnSpPr>
+              <p:cNvPr id="15" name="Connecteur droit avec flèche 14">
+                <a:extLst>
+                  <a:ext uri="{FF2B5EF4-FFF2-40B4-BE49-F238E27FC236}">
+                    <a16:creationId xmlns:a16="http://schemas.microsoft.com/office/drawing/2014/main" id="{4E938BA8-BA79-2A12-918A-D35615996CD9}"/>
+                  </a:ext>
+                </a:extLst>
+              </p:cNvPr>
+              <p:cNvCxnSpPr>
+                <a:cxnSpLocks/>
+                <a:stCxn id="4" idx="2"/>
+                <a:endCxn id="28" idx="0"/>
+              </p:cNvCxnSpPr>
+              <p:nvPr/>
+            </p:nvCxnSpPr>
+            <p:spPr>
+              <a:xfrm flipH="1">
+                <a:off x="5511278" y="1971589"/>
+                <a:ext cx="4003" cy="314299"/>
+              </a:xfrm>
+              <a:prstGeom prst="straightConnector1">
+                <a:avLst/>
+              </a:prstGeom>
+              <a:ln w="38100">
+                <a:solidFill>
+                  <a:schemeClr val="tx1"/>
+                </a:solidFill>
+                <a:headEnd type="none" w="med" len="med"/>
+                <a:tailEnd type="none" w="med" len="med"/>
+              </a:ln>
+            </p:spPr>
+            <p:style>
+              <a:lnRef idx="1">
+                <a:schemeClr val="accent1"/>
+              </a:lnRef>
+              <a:fillRef idx="0">
+                <a:schemeClr val="accent1"/>
+              </a:fillRef>
+              <a:effectRef idx="0">
+                <a:schemeClr val="accent1"/>
+              </a:effectRef>
+              <a:fontRef idx="minor">
+                <a:schemeClr val="tx1"/>
+              </a:fontRef>
+            </p:style>
+          </p:cxnSp>
+          <p:sp>
+            <p:nvSpPr>
+              <p:cNvPr id="28" name="Losange 27">
+                <a:extLst>
+                  <a:ext uri="{FF2B5EF4-FFF2-40B4-BE49-F238E27FC236}">
+                    <a16:creationId xmlns:a16="http://schemas.microsoft.com/office/drawing/2014/main" id="{357942F2-57E3-C90B-E376-5607B4D5CE69}"/>
                   </a:ext>
                 </a:extLst>
               </p:cNvPr>
@@ -3175,14 +3227,1163 @@
             </p:nvSpPr>
             <p:spPr>
               <a:xfrm>
-                <a:off x="2724539" y="1175657"/>
-                <a:ext cx="821094" cy="2388637"/>
+                <a:off x="3962396" y="2285888"/>
+                <a:ext cx="3097763" cy="2231760"/>
               </a:xfrm>
-              <a:prstGeom prst="rightBrace">
-                <a:avLst>
-                  <a:gd name="adj1" fmla="val 0"/>
-                  <a:gd name="adj2" fmla="val 50000"/>
-                </a:avLst>
+              <a:prstGeom prst="diamond">
+                <a:avLst/>
+              </a:prstGeom>
+              <a:ln w="38100"/>
+            </p:spPr>
+            <p:style>
+              <a:lnRef idx="2">
+                <a:schemeClr val="dk1"/>
+              </a:lnRef>
+              <a:fillRef idx="1">
+                <a:schemeClr val="lt1"/>
+              </a:fillRef>
+              <a:effectRef idx="0">
+                <a:schemeClr val="dk1"/>
+              </a:effectRef>
+              <a:fontRef idx="minor">
+                <a:schemeClr val="dk1"/>
+              </a:fontRef>
+            </p:style>
+            <p:txBody>
+              <a:bodyPr rtlCol="0" anchor="ctr"/>
+              <a:lstStyle/>
+              <a:p>
+                <a:pPr algn="ctr"/>
+                <a:r>
+                  <a:rPr lang="fr-FR" b="1" u="sng" dirty="0"/>
+                  <a:t>User </a:t>
+                </a:r>
+                <a:r>
+                  <a:rPr lang="fr-FR" b="1" u="sng" dirty="0" err="1"/>
+                  <a:t>filtering</a:t>
+                </a:r>
+                <a:endParaRPr lang="fr-FR" b="1" u="sng" dirty="0"/>
+              </a:p>
+              <a:p>
+                <a:pPr marL="285750" indent="-285750">
+                  <a:buFontTx/>
+                  <a:buChar char="-"/>
+                </a:pPr>
+                <a:r>
+                  <a:rPr lang="fr-FR" dirty="0" err="1"/>
+                  <a:t>n_list</a:t>
+                </a:r>
+                <a:endParaRPr lang="fr-FR" dirty="0"/>
+              </a:p>
+              <a:p>
+                <a:pPr marL="285750" indent="-285750">
+                  <a:buFontTx/>
+                  <a:buChar char="-"/>
+                </a:pPr>
+                <a:r>
+                  <a:rPr lang="fr-FR" dirty="0" err="1"/>
+                  <a:t>n_tracks</a:t>
+                </a:r>
+                <a:endParaRPr lang="fr-FR" dirty="0"/>
+              </a:p>
+              <a:p>
+                <a:pPr marL="285750" indent="-285750">
+                  <a:buFontTx/>
+                  <a:buChar char="-"/>
+                </a:pPr>
+                <a:r>
+                  <a:rPr lang="fr-FR" dirty="0" err="1"/>
+                  <a:t>Random</a:t>
+                </a:r>
+                <a:r>
+                  <a:rPr lang="fr-FR" dirty="0"/>
+                  <a:t> </a:t>
+                </a:r>
+                <a:r>
+                  <a:rPr lang="fr-FR" dirty="0" err="1"/>
+                  <a:t>selection</a:t>
+                </a:r>
+                <a:endParaRPr lang="fr-FR" dirty="0"/>
+              </a:p>
+            </p:txBody>
+          </p:sp>
+          <p:cxnSp>
+            <p:nvCxnSpPr>
+              <p:cNvPr id="29" name="Connecteur droit avec flèche 28">
+                <a:extLst>
+                  <a:ext uri="{FF2B5EF4-FFF2-40B4-BE49-F238E27FC236}">
+                    <a16:creationId xmlns:a16="http://schemas.microsoft.com/office/drawing/2014/main" id="{E9AD6768-D5B1-E118-2788-0F593D08C6E9}"/>
+                  </a:ext>
+                </a:extLst>
+              </p:cNvPr>
+              <p:cNvCxnSpPr>
+                <a:cxnSpLocks/>
+              </p:cNvCxnSpPr>
+              <p:nvPr/>
+            </p:nvCxnSpPr>
+            <p:spPr>
+              <a:xfrm>
+                <a:off x="5511279" y="4526602"/>
+                <a:ext cx="0" cy="597170"/>
+              </a:xfrm>
+              <a:prstGeom prst="straightConnector1">
+                <a:avLst/>
+              </a:prstGeom>
+              <a:ln w="38100">
+                <a:solidFill>
+                  <a:schemeClr val="tx1"/>
+                </a:solidFill>
+                <a:headEnd type="none" w="med" len="med"/>
+                <a:tailEnd type="triangle" w="med" len="med"/>
+              </a:ln>
+            </p:spPr>
+            <p:style>
+              <a:lnRef idx="1">
+                <a:schemeClr val="accent1"/>
+              </a:lnRef>
+              <a:fillRef idx="0">
+                <a:schemeClr val="accent1"/>
+              </a:fillRef>
+              <a:effectRef idx="0">
+                <a:schemeClr val="accent1"/>
+              </a:effectRef>
+              <a:fontRef idx="minor">
+                <a:schemeClr val="tx1"/>
+              </a:fontRef>
+            </p:style>
+          </p:cxnSp>
+          <p:sp>
+            <p:nvSpPr>
+              <p:cNvPr id="31" name="ZoneTexte 30">
+                <a:extLst>
+                  <a:ext uri="{FF2B5EF4-FFF2-40B4-BE49-F238E27FC236}">
+                    <a16:creationId xmlns:a16="http://schemas.microsoft.com/office/drawing/2014/main" id="{EA5D9AA4-C818-204D-0D5E-3F72C9F650E8}"/>
+                  </a:ext>
+                </a:extLst>
+              </p:cNvPr>
+              <p:cNvSpPr txBox="1"/>
+              <p:nvPr/>
+            </p:nvSpPr>
+            <p:spPr>
+              <a:xfrm>
+                <a:off x="4615541" y="5123772"/>
+                <a:ext cx="1791476" cy="1492899"/>
+              </a:xfrm>
+              <a:prstGeom prst="rect">
+                <a:avLst/>
+              </a:prstGeom>
+              <a:noFill/>
+              <a:ln w="38100">
+                <a:solidFill>
+                  <a:schemeClr val="tx1"/>
+                </a:solidFill>
+              </a:ln>
+            </p:spPr>
+            <p:txBody>
+              <a:bodyPr wrap="square" rtlCol="0">
+                <a:normAutofit/>
+              </a:bodyPr>
+              <a:lstStyle/>
+              <a:p>
+                <a:r>
+                  <a:rPr lang="fr-FR" b="1" u="sng" dirty="0" err="1"/>
+                  <a:t>Filtered</a:t>
+                </a:r>
+                <a:r>
+                  <a:rPr lang="fr-FR" b="1" u="sng" dirty="0"/>
+                  <a:t> playlist</a:t>
+                </a:r>
+              </a:p>
+              <a:p>
+                <a:pPr marL="285750" indent="-285750">
+                  <a:buFontTx/>
+                  <a:buChar char="-"/>
+                </a:pPr>
+                <a:r>
+                  <a:rPr lang="fr-FR" dirty="0" err="1"/>
+                  <a:t>user_id</a:t>
+                </a:r>
+                <a:endParaRPr lang="fr-FR" dirty="0"/>
+              </a:p>
+              <a:p>
+                <a:pPr marL="285750" indent="-285750">
+                  <a:buFontTx/>
+                  <a:buChar char="-"/>
+                </a:pPr>
+                <a:r>
+                  <a:rPr lang="fr-FR" dirty="0" err="1"/>
+                  <a:t>Tracks_id</a:t>
+                </a:r>
+                <a:endParaRPr lang="fr-FR" dirty="0"/>
+              </a:p>
+              <a:p>
+                <a:pPr marL="285750" indent="-285750">
+                  <a:buFontTx/>
+                  <a:buChar char="-"/>
+                </a:pPr>
+                <a:r>
+                  <a:rPr lang="fr-FR" dirty="0" err="1"/>
+                  <a:t>n_listen</a:t>
+                </a:r>
+                <a:endParaRPr lang="fr-FR" dirty="0"/>
+              </a:p>
+            </p:txBody>
+          </p:sp>
+          <p:grpSp>
+            <p:nvGrpSpPr>
+              <p:cNvPr id="34" name="Groupe 33">
+                <a:extLst>
+                  <a:ext uri="{FF2B5EF4-FFF2-40B4-BE49-F238E27FC236}">
+                    <a16:creationId xmlns:a16="http://schemas.microsoft.com/office/drawing/2014/main" id="{16E58047-9DF5-0ABD-E222-EDE94F42C526}"/>
+                  </a:ext>
+                </a:extLst>
+              </p:cNvPr>
+              <p:cNvGrpSpPr/>
+              <p:nvPr/>
+            </p:nvGrpSpPr>
+            <p:grpSpPr>
+              <a:xfrm rot="16200000">
+                <a:off x="5194037" y="6854106"/>
+                <a:ext cx="634485" cy="4026390"/>
+                <a:chOff x="2724539" y="1175657"/>
+                <a:chExt cx="1243067" cy="2388637"/>
+              </a:xfrm>
+            </p:grpSpPr>
+            <p:sp>
+              <p:nvSpPr>
+                <p:cNvPr id="35" name="Accolade fermante 34">
+                  <a:extLst>
+                    <a:ext uri="{FF2B5EF4-FFF2-40B4-BE49-F238E27FC236}">
+                      <a16:creationId xmlns:a16="http://schemas.microsoft.com/office/drawing/2014/main" id="{A0B48162-905B-9DA4-D470-64149D4F6952}"/>
+                    </a:ext>
+                  </a:extLst>
+                </p:cNvPr>
+                <p:cNvSpPr/>
+                <p:nvPr/>
+              </p:nvSpPr>
+              <p:spPr>
+                <a:xfrm>
+                  <a:off x="2724539" y="1175657"/>
+                  <a:ext cx="821094" cy="2388637"/>
+                </a:xfrm>
+                <a:prstGeom prst="rightBrace">
+                  <a:avLst>
+                    <a:gd name="adj1" fmla="val 0"/>
+                    <a:gd name="adj2" fmla="val 50000"/>
+                  </a:avLst>
+                </a:prstGeom>
+                <a:ln w="38100">
+                  <a:solidFill>
+                    <a:schemeClr val="tx1"/>
+                  </a:solidFill>
+                </a:ln>
+              </p:spPr>
+              <p:style>
+                <a:lnRef idx="1">
+                  <a:schemeClr val="accent1"/>
+                </a:lnRef>
+                <a:fillRef idx="0">
+                  <a:schemeClr val="accent1"/>
+                </a:fillRef>
+                <a:effectRef idx="0">
+                  <a:schemeClr val="accent1"/>
+                </a:effectRef>
+                <a:fontRef idx="minor">
+                  <a:schemeClr val="tx1"/>
+                </a:fontRef>
+              </p:style>
+              <p:txBody>
+                <a:bodyPr rtlCol="0" anchor="ctr"/>
+                <a:lstStyle/>
+                <a:p>
+                  <a:pPr algn="ctr"/>
+                  <a:endParaRPr lang="fr-FR"/>
+                </a:p>
+              </p:txBody>
+            </p:sp>
+            <p:cxnSp>
+              <p:nvCxnSpPr>
+                <p:cNvPr id="36" name="Connecteur droit avec flèche 35">
+                  <a:extLst>
+                    <a:ext uri="{FF2B5EF4-FFF2-40B4-BE49-F238E27FC236}">
+                      <a16:creationId xmlns:a16="http://schemas.microsoft.com/office/drawing/2014/main" id="{A6188178-4BFA-2DF2-6959-0760F614EF50}"/>
+                    </a:ext>
+                  </a:extLst>
+                </p:cNvPr>
+                <p:cNvCxnSpPr>
+                  <a:cxnSpLocks/>
+                  <a:stCxn id="35" idx="1"/>
+                </p:cNvCxnSpPr>
+                <p:nvPr/>
+              </p:nvCxnSpPr>
+              <p:spPr>
+                <a:xfrm rot="16200000" flipH="1">
+                  <a:off x="3756619" y="2158989"/>
+                  <a:ext cx="1" cy="421973"/>
+                </a:xfrm>
+                <a:prstGeom prst="straightConnector1">
+                  <a:avLst/>
+                </a:prstGeom>
+                <a:ln w="38100">
+                  <a:solidFill>
+                    <a:schemeClr val="tx1"/>
+                  </a:solidFill>
+                  <a:headEnd type="none" w="med" len="med"/>
+                  <a:tailEnd type="none" w="med" len="med"/>
+                </a:ln>
+              </p:spPr>
+              <p:style>
+                <a:lnRef idx="1">
+                  <a:schemeClr val="accent1"/>
+                </a:lnRef>
+                <a:fillRef idx="0">
+                  <a:schemeClr val="accent1"/>
+                </a:fillRef>
+                <a:effectRef idx="0">
+                  <a:schemeClr val="accent1"/>
+                </a:effectRef>
+                <a:fontRef idx="minor">
+                  <a:schemeClr val="tx1"/>
+                </a:fontRef>
+              </p:style>
+            </p:cxnSp>
+          </p:grpSp>
+          <mc:AlternateContent xmlns:mc="http://schemas.openxmlformats.org/markup-compatibility/2006" xmlns:a14="http://schemas.microsoft.com/office/drawing/2010/main">
+            <mc:Choice Requires="a14">
+              <p:sp>
+                <p:nvSpPr>
+                  <p:cNvPr id="38" name="Losange 37">
+                    <a:extLst>
+                      <a:ext uri="{FF2B5EF4-FFF2-40B4-BE49-F238E27FC236}">
+                        <a16:creationId xmlns:a16="http://schemas.microsoft.com/office/drawing/2014/main" id="{6A71B5D2-B4A1-172D-5BF2-39436970B19E}"/>
+                      </a:ext>
+                    </a:extLst>
+                  </p:cNvPr>
+                  <p:cNvSpPr/>
+                  <p:nvPr/>
+                </p:nvSpPr>
+                <p:spPr>
+                  <a:xfrm>
+                    <a:off x="3962398" y="7103437"/>
+                    <a:ext cx="3097763" cy="1492899"/>
+                  </a:xfrm>
+                  <a:prstGeom prst="diamond">
+                    <a:avLst/>
+                  </a:prstGeom>
+                  <a:ln w="38100"/>
+                </p:spPr>
+                <p:style>
+                  <a:lnRef idx="2">
+                    <a:schemeClr val="dk1"/>
+                  </a:lnRef>
+                  <a:fillRef idx="1">
+                    <a:schemeClr val="lt1"/>
+                  </a:fillRef>
+                  <a:effectRef idx="0">
+                    <a:schemeClr val="dk1"/>
+                  </a:effectRef>
+                  <a:fontRef idx="minor">
+                    <a:schemeClr val="dk1"/>
+                  </a:fontRef>
+                </p:style>
+                <p:txBody>
+                  <a:bodyPr rtlCol="0" anchor="ctr"/>
+                  <a:lstStyle/>
+                  <a:p>
+                    <a:pPr algn="ctr"/>
+                    <a:r>
+                      <a:rPr lang="fr-FR" b="1" u="sng" dirty="0"/>
+                      <a:t>Data </a:t>
+                    </a:r>
+                    <a:r>
+                      <a:rPr lang="fr-FR" b="1" u="sng" dirty="0" err="1"/>
+                      <a:t>splitting</a:t>
+                    </a:r>
+                    <a:endParaRPr lang="fr-FR" b="1" u="sng" dirty="0"/>
+                  </a:p>
+                  <a:p>
+                    <a:pPr marL="285750" indent="-285750" algn="ctr">
+                      <a:buFontTx/>
+                      <a:buChar char="-"/>
+                    </a:pPr>
+                    <a14:m>
+                      <m:oMath xmlns:m="http://schemas.openxmlformats.org/officeDocument/2006/math">
+                        <m:r>
+                          <a:rPr lang="fr-FR" b="0" i="1" dirty="0" smtClean="0">
+                            <a:latin typeface="Cambria Math" panose="02040503050406030204" pitchFamily="18" charset="0"/>
+                          </a:rPr>
+                          <m:t>𝑝</m:t>
+                        </m:r>
+                        <m:r>
+                          <a:rPr lang="fr-FR" i="1" dirty="0" smtClean="0">
+                            <a:latin typeface="Cambria Math" panose="02040503050406030204" pitchFamily="18" charset="0"/>
+                            <a:ea typeface="Cambria Math" panose="02040503050406030204" pitchFamily="18" charset="0"/>
+                          </a:rPr>
+                          <m:t>∈</m:t>
+                        </m:r>
+                        <m:r>
+                          <a:rPr lang="fr-FR" b="0" i="1" dirty="0" smtClean="0">
+                            <a:latin typeface="Cambria Math" panose="02040503050406030204" pitchFamily="18" charset="0"/>
+                            <a:ea typeface="Cambria Math" panose="02040503050406030204" pitchFamily="18" charset="0"/>
+                          </a:rPr>
+                          <m:t>[0,1]</m:t>
+                        </m:r>
+                      </m:oMath>
+                    </a14:m>
+                    <a:endParaRPr lang="fr-FR" dirty="0"/>
+                  </a:p>
+                </p:txBody>
+              </p:sp>
+            </mc:Choice>
+            <mc:Fallback xmlns="">
+              <p:sp>
+                <p:nvSpPr>
+                  <p:cNvPr id="38" name="Losange 37">
+                    <a:extLst>
+                      <a:ext uri="{FF2B5EF4-FFF2-40B4-BE49-F238E27FC236}">
+                        <a16:creationId xmlns:a16="http://schemas.microsoft.com/office/drawing/2014/main" id="{6A71B5D2-B4A1-172D-5BF2-39436970B19E}"/>
+                      </a:ext>
+                    </a:extLst>
+                  </p:cNvPr>
+                  <p:cNvSpPr>
+                    <a:spLocks noRot="1" noChangeAspect="1" noMove="1" noResize="1" noEditPoints="1" noAdjustHandles="1" noChangeArrowheads="1" noChangeShapeType="1" noTextEdit="1"/>
+                  </p:cNvSpPr>
+                  <p:nvPr/>
+                </p:nvSpPr>
+                <p:spPr>
+                  <a:xfrm>
+                    <a:off x="3962398" y="7103437"/>
+                    <a:ext cx="3097763" cy="1492899"/>
+                  </a:xfrm>
+                  <a:prstGeom prst="diamond">
+                    <a:avLst/>
+                  </a:prstGeom>
+                  <a:blipFill>
+                    <a:blip r:embed="rId2"/>
+                    <a:stretch>
+                      <a:fillRect/>
+                    </a:stretch>
+                  </a:blipFill>
+                  <a:ln w="38100"/>
+                </p:spPr>
+                <p:txBody>
+                  <a:bodyPr/>
+                  <a:lstStyle/>
+                  <a:p>
+                    <a:r>
+                      <a:rPr lang="fr-FR">
+                        <a:noFill/>
+                      </a:rPr>
+                      <a:t> </a:t>
+                    </a:r>
+                  </a:p>
+                </p:txBody>
+              </p:sp>
+            </mc:Fallback>
+          </mc:AlternateContent>
+          <p:cxnSp>
+            <p:nvCxnSpPr>
+              <p:cNvPr id="39" name="Connecteur droit avec flèche 38">
+                <a:extLst>
+                  <a:ext uri="{FF2B5EF4-FFF2-40B4-BE49-F238E27FC236}">
+                    <a16:creationId xmlns:a16="http://schemas.microsoft.com/office/drawing/2014/main" id="{E26FFA00-CB88-0FE6-7C86-CD5795A03862}"/>
+                  </a:ext>
+                </a:extLst>
+              </p:cNvPr>
+              <p:cNvCxnSpPr>
+                <a:cxnSpLocks/>
+                <a:endCxn id="38" idx="0"/>
+              </p:cNvCxnSpPr>
+              <p:nvPr/>
+            </p:nvCxnSpPr>
+            <p:spPr>
+              <a:xfrm flipH="1">
+                <a:off x="5511280" y="6616671"/>
+                <a:ext cx="2016" cy="486766"/>
+              </a:xfrm>
+              <a:prstGeom prst="straightConnector1">
+                <a:avLst/>
+              </a:prstGeom>
+              <a:ln w="38100">
+                <a:solidFill>
+                  <a:schemeClr val="tx1"/>
+                </a:solidFill>
+                <a:headEnd type="none" w="med" len="med"/>
+                <a:tailEnd type="triangle" w="med" len="med"/>
+              </a:ln>
+            </p:spPr>
+            <p:style>
+              <a:lnRef idx="1">
+                <a:schemeClr val="accent1"/>
+              </a:lnRef>
+              <a:fillRef idx="0">
+                <a:schemeClr val="accent1"/>
+              </a:fillRef>
+              <a:effectRef idx="0">
+                <a:schemeClr val="accent1"/>
+              </a:effectRef>
+              <a:fontRef idx="minor">
+                <a:schemeClr val="tx1"/>
+              </a:fontRef>
+            </p:style>
+          </p:cxnSp>
+          <p:cxnSp>
+            <p:nvCxnSpPr>
+              <p:cNvPr id="41" name="Connecteur droit avec flèche 40">
+                <a:extLst>
+                  <a:ext uri="{FF2B5EF4-FFF2-40B4-BE49-F238E27FC236}">
+                    <a16:creationId xmlns:a16="http://schemas.microsoft.com/office/drawing/2014/main" id="{9217DA3A-A5C3-36D3-E252-033F9AA18495}"/>
+                  </a:ext>
+                </a:extLst>
+              </p:cNvPr>
+              <p:cNvCxnSpPr>
+                <a:cxnSpLocks/>
+              </p:cNvCxnSpPr>
+              <p:nvPr/>
+            </p:nvCxnSpPr>
+            <p:spPr>
+              <a:xfrm>
+                <a:off x="3498084" y="9033645"/>
+                <a:ext cx="0" cy="597170"/>
+              </a:xfrm>
+              <a:prstGeom prst="straightConnector1">
+                <a:avLst/>
+              </a:prstGeom>
+              <a:ln w="38100">
+                <a:solidFill>
+                  <a:schemeClr val="tx1"/>
+                </a:solidFill>
+                <a:headEnd type="none" w="med" len="med"/>
+                <a:tailEnd type="triangle" w="med" len="med"/>
+              </a:ln>
+            </p:spPr>
+            <p:style>
+              <a:lnRef idx="1">
+                <a:schemeClr val="accent1"/>
+              </a:lnRef>
+              <a:fillRef idx="0">
+                <a:schemeClr val="accent1"/>
+              </a:fillRef>
+              <a:effectRef idx="0">
+                <a:schemeClr val="accent1"/>
+              </a:effectRef>
+              <a:fontRef idx="minor">
+                <a:schemeClr val="tx1"/>
+              </a:fontRef>
+            </p:style>
+          </p:cxnSp>
+          <p:cxnSp>
+            <p:nvCxnSpPr>
+              <p:cNvPr id="42" name="Connecteur droit avec flèche 41">
+                <a:extLst>
+                  <a:ext uri="{FF2B5EF4-FFF2-40B4-BE49-F238E27FC236}">
+                    <a16:creationId xmlns:a16="http://schemas.microsoft.com/office/drawing/2014/main" id="{A7B743EA-0970-648B-A5AC-55D7E330CEA9}"/>
+                  </a:ext>
+                </a:extLst>
+              </p:cNvPr>
+              <p:cNvCxnSpPr>
+                <a:cxnSpLocks/>
+              </p:cNvCxnSpPr>
+              <p:nvPr/>
+            </p:nvCxnSpPr>
+            <p:spPr>
+              <a:xfrm>
+                <a:off x="7524475" y="9033644"/>
+                <a:ext cx="0" cy="597170"/>
+              </a:xfrm>
+              <a:prstGeom prst="straightConnector1">
+                <a:avLst/>
+              </a:prstGeom>
+              <a:ln w="38100">
+                <a:solidFill>
+                  <a:schemeClr val="tx1"/>
+                </a:solidFill>
+                <a:headEnd type="none" w="med" len="med"/>
+                <a:tailEnd type="triangle" w="med" len="med"/>
+              </a:ln>
+            </p:spPr>
+            <p:style>
+              <a:lnRef idx="1">
+                <a:schemeClr val="accent1"/>
+              </a:lnRef>
+              <a:fillRef idx="0">
+                <a:schemeClr val="accent1"/>
+              </a:fillRef>
+              <a:effectRef idx="0">
+                <a:schemeClr val="accent1"/>
+              </a:effectRef>
+              <a:fontRef idx="minor">
+                <a:schemeClr val="tx1"/>
+              </a:fontRef>
+            </p:style>
+          </p:cxnSp>
+          <p:sp>
+            <p:nvSpPr>
+              <p:cNvPr id="43" name="ZoneTexte 42">
+                <a:extLst>
+                  <a:ext uri="{FF2B5EF4-FFF2-40B4-BE49-F238E27FC236}">
+                    <a16:creationId xmlns:a16="http://schemas.microsoft.com/office/drawing/2014/main" id="{FA6B09A8-24C3-1099-D9AE-547F55C2C964}"/>
+                  </a:ext>
+                </a:extLst>
+              </p:cNvPr>
+              <p:cNvSpPr txBox="1"/>
+              <p:nvPr/>
+            </p:nvSpPr>
+            <p:spPr>
+              <a:xfrm>
+                <a:off x="6568531" y="9621859"/>
+                <a:ext cx="1949205" cy="1848481"/>
+              </a:xfrm>
+              <a:prstGeom prst="rect">
+                <a:avLst/>
+              </a:prstGeom>
+              <a:noFill/>
+              <a:ln w="38100">
+                <a:solidFill>
+                  <a:schemeClr val="tx1"/>
+                </a:solidFill>
+              </a:ln>
+            </p:spPr>
+            <p:txBody>
+              <a:bodyPr wrap="square" rtlCol="0">
+                <a:normAutofit/>
+              </a:bodyPr>
+              <a:lstStyle/>
+              <a:p>
+                <a:r>
+                  <a:rPr lang="fr-FR" b="1" u="sng" dirty="0"/>
+                  <a:t>Apparent playlist</a:t>
+                </a:r>
+              </a:p>
+              <a:p>
+                <a:pPr marL="285750" indent="-285750">
+                  <a:buFontTx/>
+                  <a:buChar char="-"/>
+                </a:pPr>
+                <a:r>
+                  <a:rPr lang="fr-FR" dirty="0" err="1"/>
+                  <a:t>user_id</a:t>
+                </a:r>
+                <a:endParaRPr lang="fr-FR" dirty="0"/>
+              </a:p>
+              <a:p>
+                <a:pPr marL="285750" indent="-285750">
+                  <a:buFontTx/>
+                  <a:buChar char="-"/>
+                </a:pPr>
+                <a:r>
+                  <a:rPr lang="fr-FR" dirty="0" err="1"/>
+                  <a:t>tracks_id</a:t>
+                </a:r>
+                <a:endParaRPr lang="fr-FR" dirty="0"/>
+              </a:p>
+              <a:p>
+                <a:pPr marL="285750" indent="-285750">
+                  <a:buFontTx/>
+                  <a:buChar char="-"/>
+                </a:pPr>
+                <a:r>
+                  <a:rPr lang="fr-FR" dirty="0" err="1"/>
+                  <a:t>n_listen</a:t>
+                </a:r>
+                <a:endParaRPr lang="fr-FR" dirty="0"/>
+              </a:p>
+            </p:txBody>
+          </p:sp>
+          <p:sp>
+            <p:nvSpPr>
+              <p:cNvPr id="44" name="ZoneTexte 43">
+                <a:extLst>
+                  <a:ext uri="{FF2B5EF4-FFF2-40B4-BE49-F238E27FC236}">
+                    <a16:creationId xmlns:a16="http://schemas.microsoft.com/office/drawing/2014/main" id="{6373D64C-3143-39E3-9030-19CA5FA9D135}"/>
+                  </a:ext>
+                </a:extLst>
+              </p:cNvPr>
+              <p:cNvSpPr txBox="1"/>
+              <p:nvPr/>
+            </p:nvSpPr>
+            <p:spPr>
+              <a:xfrm>
+                <a:off x="2602346" y="9630814"/>
+                <a:ext cx="1791476" cy="1829420"/>
+              </a:xfrm>
+              <a:prstGeom prst="rect">
+                <a:avLst/>
+              </a:prstGeom>
+              <a:noFill/>
+              <a:ln w="38100">
+                <a:solidFill>
+                  <a:schemeClr val="tx1"/>
+                </a:solidFill>
+              </a:ln>
+            </p:spPr>
+            <p:txBody>
+              <a:bodyPr wrap="square" rtlCol="0">
+                <a:normAutofit/>
+              </a:bodyPr>
+              <a:lstStyle/>
+              <a:p>
+                <a:r>
+                  <a:rPr lang="fr-FR" b="1" u="sng" dirty="0" err="1"/>
+                  <a:t>Hidden</a:t>
+                </a:r>
+                <a:r>
+                  <a:rPr lang="fr-FR" b="1" u="sng" dirty="0"/>
+                  <a:t> playlist</a:t>
+                </a:r>
+              </a:p>
+              <a:p>
+                <a:pPr marL="285750" indent="-285750">
+                  <a:buFontTx/>
+                  <a:buChar char="-"/>
+                </a:pPr>
+                <a:r>
+                  <a:rPr lang="fr-FR" dirty="0" err="1"/>
+                  <a:t>user_id</a:t>
+                </a:r>
+                <a:endParaRPr lang="fr-FR" dirty="0"/>
+              </a:p>
+              <a:p>
+                <a:pPr marL="285750" indent="-285750">
+                  <a:buFontTx/>
+                  <a:buChar char="-"/>
+                </a:pPr>
+                <a:r>
+                  <a:rPr lang="fr-FR" dirty="0" err="1"/>
+                  <a:t>tracks_id</a:t>
+                </a:r>
+                <a:endParaRPr lang="fr-FR" dirty="0"/>
+              </a:p>
+              <a:p>
+                <a:pPr marL="285750" indent="-285750">
+                  <a:buFontTx/>
+                  <a:buChar char="-"/>
+                </a:pPr>
+                <a:r>
+                  <a:rPr lang="fr-FR" dirty="0" err="1"/>
+                  <a:t>n_listen</a:t>
+                </a:r>
+                <a:endParaRPr lang="fr-FR" dirty="0"/>
+              </a:p>
+            </p:txBody>
+          </p:sp>
+          <p:sp>
+            <p:nvSpPr>
+              <p:cNvPr id="45" name="Losange 44">
+                <a:extLst>
+                  <a:ext uri="{FF2B5EF4-FFF2-40B4-BE49-F238E27FC236}">
+                    <a16:creationId xmlns:a16="http://schemas.microsoft.com/office/drawing/2014/main" id="{1D708836-DAA1-A416-A2E6-6A8CFBEB7685}"/>
+                  </a:ext>
+                </a:extLst>
+              </p:cNvPr>
+              <p:cNvSpPr/>
+              <p:nvPr/>
+            </p:nvSpPr>
+            <p:spPr>
+              <a:xfrm>
+                <a:off x="6407017" y="11739557"/>
+                <a:ext cx="2296994" cy="1492899"/>
+              </a:xfrm>
+              <a:prstGeom prst="diamond">
+                <a:avLst/>
+              </a:prstGeom>
+              <a:ln w="38100"/>
+            </p:spPr>
+            <p:style>
+              <a:lnRef idx="2">
+                <a:schemeClr val="dk1"/>
+              </a:lnRef>
+              <a:fillRef idx="1">
+                <a:schemeClr val="lt1"/>
+              </a:fillRef>
+              <a:effectRef idx="0">
+                <a:schemeClr val="dk1"/>
+              </a:effectRef>
+              <a:fontRef idx="minor">
+                <a:schemeClr val="dk1"/>
+              </a:fontRef>
+            </p:style>
+            <p:txBody>
+              <a:bodyPr rtlCol="0" anchor="ctr"/>
+              <a:lstStyle/>
+              <a:p>
+                <a:pPr algn="ctr"/>
+                <a:r>
+                  <a:rPr lang="fr-FR" b="1" dirty="0" err="1"/>
+                  <a:t>Recom</a:t>
+                </a:r>
+                <a:r>
+                  <a:rPr lang="fr-FR" b="1" dirty="0"/>
+                  <a:t>. </a:t>
+                </a:r>
+                <a:r>
+                  <a:rPr lang="fr-FR" b="1" dirty="0" err="1"/>
+                  <a:t>algorithm</a:t>
+                </a:r>
+                <a:endParaRPr lang="fr-FR" b="1" dirty="0"/>
+              </a:p>
+            </p:txBody>
+          </p:sp>
+          <p:cxnSp>
+            <p:nvCxnSpPr>
+              <p:cNvPr id="46" name="Connecteur droit avec flèche 45">
+                <a:extLst>
+                  <a:ext uri="{FF2B5EF4-FFF2-40B4-BE49-F238E27FC236}">
+                    <a16:creationId xmlns:a16="http://schemas.microsoft.com/office/drawing/2014/main" id="{92243FD9-183F-4F22-5353-51EFAC34A29C}"/>
+                  </a:ext>
+                </a:extLst>
+              </p:cNvPr>
+              <p:cNvCxnSpPr>
+                <a:cxnSpLocks/>
+              </p:cNvCxnSpPr>
+              <p:nvPr/>
+            </p:nvCxnSpPr>
+            <p:spPr>
+              <a:xfrm>
+                <a:off x="7543134" y="11123712"/>
+                <a:ext cx="0" cy="597170"/>
+              </a:xfrm>
+              <a:prstGeom prst="straightConnector1">
+                <a:avLst/>
+              </a:prstGeom>
+              <a:ln w="38100">
+                <a:solidFill>
+                  <a:schemeClr val="tx1"/>
+                </a:solidFill>
+                <a:headEnd type="none" w="med" len="med"/>
+                <a:tailEnd type="triangle" w="med" len="med"/>
+              </a:ln>
+            </p:spPr>
+            <p:style>
+              <a:lnRef idx="1">
+                <a:schemeClr val="accent1"/>
+              </a:lnRef>
+              <a:fillRef idx="0">
+                <a:schemeClr val="accent1"/>
+              </a:fillRef>
+              <a:effectRef idx="0">
+                <a:schemeClr val="accent1"/>
+              </a:effectRef>
+              <a:fontRef idx="minor">
+                <a:schemeClr val="tx1"/>
+              </a:fontRef>
+            </p:style>
+          </p:cxnSp>
+          <p:cxnSp>
+            <p:nvCxnSpPr>
+              <p:cNvPr id="47" name="Connecteur droit avec flèche 46">
+                <a:extLst>
+                  <a:ext uri="{FF2B5EF4-FFF2-40B4-BE49-F238E27FC236}">
+                    <a16:creationId xmlns:a16="http://schemas.microsoft.com/office/drawing/2014/main" id="{425B8720-962A-1648-1111-D7DEEC607E53}"/>
+                  </a:ext>
+                </a:extLst>
+              </p:cNvPr>
+              <p:cNvCxnSpPr>
+                <a:cxnSpLocks/>
+              </p:cNvCxnSpPr>
+              <p:nvPr/>
+            </p:nvCxnSpPr>
+            <p:spPr>
+              <a:xfrm>
+                <a:off x="7543132" y="13223501"/>
+                <a:ext cx="0" cy="597170"/>
+              </a:xfrm>
+              <a:prstGeom prst="straightConnector1">
+                <a:avLst/>
+              </a:prstGeom>
+              <a:ln w="38100">
+                <a:solidFill>
+                  <a:schemeClr val="tx1"/>
+                </a:solidFill>
+                <a:headEnd type="none" w="med" len="med"/>
+                <a:tailEnd type="triangle" w="med" len="med"/>
+              </a:ln>
+            </p:spPr>
+            <p:style>
+              <a:lnRef idx="1">
+                <a:schemeClr val="accent1"/>
+              </a:lnRef>
+              <a:fillRef idx="0">
+                <a:schemeClr val="accent1"/>
+              </a:fillRef>
+              <a:effectRef idx="0">
+                <a:schemeClr val="accent1"/>
+              </a:effectRef>
+              <a:fontRef idx="minor">
+                <a:schemeClr val="tx1"/>
+              </a:fontRef>
+            </p:style>
+          </p:cxnSp>
+          <p:sp>
+            <p:nvSpPr>
+              <p:cNvPr id="48" name="ZoneTexte 47">
+                <a:extLst>
+                  <a:ext uri="{FF2B5EF4-FFF2-40B4-BE49-F238E27FC236}">
+                    <a16:creationId xmlns:a16="http://schemas.microsoft.com/office/drawing/2014/main" id="{E1197094-C00E-8538-43B9-892F556C7E14}"/>
+                  </a:ext>
+                </a:extLst>
+              </p:cNvPr>
+              <p:cNvSpPr txBox="1"/>
+              <p:nvPr/>
+            </p:nvSpPr>
+            <p:spPr>
+              <a:xfrm>
+                <a:off x="6568531" y="13820671"/>
+                <a:ext cx="1949205" cy="1343622"/>
+              </a:xfrm>
+              <a:prstGeom prst="rect">
+                <a:avLst/>
+              </a:prstGeom>
+              <a:noFill/>
+              <a:ln w="38100">
+                <a:solidFill>
+                  <a:schemeClr val="tx1"/>
+                </a:solidFill>
+              </a:ln>
+            </p:spPr>
+            <p:txBody>
+              <a:bodyPr wrap="square" rtlCol="0">
+                <a:normAutofit/>
+              </a:bodyPr>
+              <a:lstStyle/>
+              <a:p>
+                <a:r>
+                  <a:rPr lang="fr-FR" b="1" u="sng" dirty="0"/>
+                  <a:t>Tracks </a:t>
+                </a:r>
+                <a:r>
+                  <a:rPr lang="fr-FR" b="1" u="sng" dirty="0" err="1"/>
+                  <a:t>ranked</a:t>
+                </a:r>
+                <a:endParaRPr lang="fr-FR" b="1" u="sng" dirty="0"/>
+              </a:p>
+              <a:p>
+                <a:pPr marL="285750" indent="-285750">
+                  <a:buFontTx/>
+                  <a:buChar char="-"/>
+                </a:pPr>
+                <a:r>
+                  <a:rPr lang="fr-FR" dirty="0" err="1"/>
+                  <a:t>user_id</a:t>
+                </a:r>
+                <a:endParaRPr lang="fr-FR" dirty="0"/>
+              </a:p>
+              <a:p>
+                <a:pPr marL="285750" indent="-285750">
+                  <a:buFontTx/>
+                  <a:buChar char="-"/>
+                </a:pPr>
+                <a:r>
+                  <a:rPr lang="fr-FR" dirty="0" err="1"/>
+                  <a:t>tracks_id</a:t>
+                </a:r>
+                <a:endParaRPr lang="fr-FR" dirty="0"/>
+              </a:p>
+              <a:p>
+                <a:pPr marL="285750" indent="-285750">
+                  <a:buFontTx/>
+                  <a:buChar char="-"/>
+                </a:pPr>
+                <a:r>
+                  <a:rPr lang="fr-FR" dirty="0" err="1"/>
+                  <a:t>ranks</a:t>
+                </a:r>
+                <a:endParaRPr lang="fr-FR" dirty="0"/>
+              </a:p>
+            </p:txBody>
+          </p:sp>
+          <p:cxnSp>
+            <p:nvCxnSpPr>
+              <p:cNvPr id="49" name="Connecteur droit avec flèche 48">
+                <a:extLst>
+                  <a:ext uri="{FF2B5EF4-FFF2-40B4-BE49-F238E27FC236}">
+                    <a16:creationId xmlns:a16="http://schemas.microsoft.com/office/drawing/2014/main" id="{619858E9-05AC-0D70-69FA-4F895DCB49DB}"/>
+                  </a:ext>
+                </a:extLst>
+              </p:cNvPr>
+              <p:cNvCxnSpPr>
+                <a:cxnSpLocks/>
+                <a:stCxn id="44" idx="2"/>
+                <a:endCxn id="51" idx="0"/>
+              </p:cNvCxnSpPr>
+              <p:nvPr/>
+            </p:nvCxnSpPr>
+            <p:spPr>
+              <a:xfrm flipH="1">
+                <a:off x="3498083" y="11460234"/>
+                <a:ext cx="1" cy="2285798"/>
+              </a:xfrm>
+              <a:prstGeom prst="straightConnector1">
+                <a:avLst/>
+              </a:prstGeom>
+              <a:ln w="38100">
+                <a:solidFill>
+                  <a:schemeClr val="tx1"/>
+                </a:solidFill>
+                <a:headEnd type="none" w="med" len="med"/>
+                <a:tailEnd type="triangle" w="med" len="med"/>
+              </a:ln>
+            </p:spPr>
+            <p:style>
+              <a:lnRef idx="1">
+                <a:schemeClr val="accent1"/>
+              </a:lnRef>
+              <a:fillRef idx="0">
+                <a:schemeClr val="accent1"/>
+              </a:fillRef>
+              <a:effectRef idx="0">
+                <a:schemeClr val="accent1"/>
+              </a:effectRef>
+              <a:fontRef idx="minor">
+                <a:schemeClr val="tx1"/>
+              </a:fontRef>
+            </p:style>
+          </p:cxnSp>
+          <p:sp>
+            <p:nvSpPr>
+              <p:cNvPr id="51" name="Losange 50">
+                <a:extLst>
+                  <a:ext uri="{FF2B5EF4-FFF2-40B4-BE49-F238E27FC236}">
+                    <a16:creationId xmlns:a16="http://schemas.microsoft.com/office/drawing/2014/main" id="{F1C33EB5-8F15-9FD0-C90F-FF5EF0ADF0D7}"/>
+                  </a:ext>
+                </a:extLst>
+              </p:cNvPr>
+              <p:cNvSpPr/>
+              <p:nvPr/>
+            </p:nvSpPr>
+            <p:spPr>
+              <a:xfrm>
+                <a:off x="1484888" y="13746032"/>
+                <a:ext cx="4026390" cy="1492899"/>
+              </a:xfrm>
+              <a:prstGeom prst="diamond">
+                <a:avLst/>
+              </a:prstGeom>
+              <a:ln w="38100"/>
+            </p:spPr>
+            <p:style>
+              <a:lnRef idx="2">
+                <a:schemeClr val="dk1"/>
+              </a:lnRef>
+              <a:fillRef idx="1">
+                <a:schemeClr val="lt1"/>
+              </a:fillRef>
+              <a:effectRef idx="0">
+                <a:schemeClr val="dk1"/>
+              </a:effectRef>
+              <a:fontRef idx="minor">
+                <a:schemeClr val="dk1"/>
+              </a:fontRef>
+            </p:style>
+            <p:txBody>
+              <a:bodyPr rtlCol="0" anchor="ctr"/>
+              <a:lstStyle/>
+              <a:p>
+                <a:pPr algn="ctr"/>
+                <a:r>
+                  <a:rPr lang="fr-FR" b="1" u="sng" dirty="0"/>
+                  <a:t>Evaluation</a:t>
+                </a:r>
+              </a:p>
+              <a:p>
+                <a:r>
+                  <a:rPr lang="fr-FR" dirty="0"/>
+                  <a:t>- TPR(k), FPR(k)</a:t>
+                </a:r>
+              </a:p>
+              <a:p>
+                <a:pPr marL="285750" indent="-285750">
+                  <a:buFontTx/>
+                  <a:buChar char="-"/>
+                </a:pPr>
+                <a:r>
+                  <a:rPr lang="fr-FR" dirty="0"/>
+                  <a:t>ROC </a:t>
+                </a:r>
+                <a:r>
+                  <a:rPr lang="fr-FR" dirty="0" err="1"/>
+                  <a:t>curve</a:t>
+                </a:r>
+                <a:endParaRPr lang="fr-FR" dirty="0"/>
+              </a:p>
+              <a:p>
+                <a:pPr marL="285750" indent="-285750">
+                  <a:buFontTx/>
+                  <a:buChar char="-"/>
+                </a:pPr>
+                <a:r>
+                  <a:rPr lang="fr-FR" dirty="0"/>
+                  <a:t>AUC</a:t>
+                </a:r>
+              </a:p>
+            </p:txBody>
+          </p:sp>
+          <p:cxnSp>
+            <p:nvCxnSpPr>
+              <p:cNvPr id="54" name="Connecteur droit avec flèche 53">
+                <a:extLst>
+                  <a:ext uri="{FF2B5EF4-FFF2-40B4-BE49-F238E27FC236}">
+                    <a16:creationId xmlns:a16="http://schemas.microsoft.com/office/drawing/2014/main" id="{D4D0590D-6C75-C6D8-FA72-452B0E2DB25E}"/>
+                  </a:ext>
+                </a:extLst>
+              </p:cNvPr>
+              <p:cNvCxnSpPr>
+                <a:cxnSpLocks/>
+                <a:stCxn id="48" idx="1"/>
+                <a:endCxn id="51" idx="3"/>
+              </p:cNvCxnSpPr>
+              <p:nvPr/>
+            </p:nvCxnSpPr>
+            <p:spPr>
+              <a:xfrm flipH="1">
+                <a:off x="5511278" y="14492482"/>
+                <a:ext cx="1057253" cy="0"/>
+              </a:xfrm>
+              <a:prstGeom prst="straightConnector1">
+                <a:avLst/>
+              </a:prstGeom>
+              <a:ln w="38100">
+                <a:solidFill>
+                  <a:schemeClr val="tx1"/>
+                </a:solidFill>
+                <a:headEnd type="none" w="med" len="med"/>
+                <a:tailEnd type="triangle" w="med" len="med"/>
+              </a:ln>
+            </p:spPr>
+            <p:style>
+              <a:lnRef idx="1">
+                <a:schemeClr val="accent1"/>
+              </a:lnRef>
+              <a:fillRef idx="0">
+                <a:schemeClr val="accent1"/>
+              </a:fillRef>
+              <a:effectRef idx="0">
+                <a:schemeClr val="accent1"/>
+              </a:effectRef>
+              <a:fontRef idx="minor">
+                <a:schemeClr val="tx1"/>
+              </a:fontRef>
+            </p:style>
+          </p:cxnSp>
+          <p:sp>
+            <p:nvSpPr>
+              <p:cNvPr id="61" name="Accolade ouvrante 60">
+                <a:extLst>
+                  <a:ext uri="{FF2B5EF4-FFF2-40B4-BE49-F238E27FC236}">
+                    <a16:creationId xmlns:a16="http://schemas.microsoft.com/office/drawing/2014/main" id="{FA5076AF-F848-ADB9-EC63-76948976D710}"/>
+                  </a:ext>
+                </a:extLst>
+              </p:cNvPr>
+              <p:cNvSpPr/>
+              <p:nvPr/>
+            </p:nvSpPr>
+            <p:spPr>
+              <a:xfrm>
+                <a:off x="8888334" y="11388645"/>
+                <a:ext cx="302978" cy="2194721"/>
+              </a:xfrm>
+              <a:prstGeom prst="leftBrace">
+                <a:avLst/>
               </a:prstGeom>
               <a:ln w="38100">
                 <a:solidFill>
@@ -3213,1373 +4414,200 @@
               </a:p>
             </p:txBody>
           </p:sp>
-          <p:cxnSp>
-            <p:nvCxnSpPr>
-              <p:cNvPr id="15" name="Connecteur droit avec flèche 14">
+          <p:sp>
+            <p:nvSpPr>
+              <p:cNvPr id="62" name="ZoneTexte 61">
                 <a:extLst>
                   <a:ext uri="{FF2B5EF4-FFF2-40B4-BE49-F238E27FC236}">
-                    <a16:creationId xmlns:a16="http://schemas.microsoft.com/office/drawing/2014/main" id="{4E938BA8-BA79-2A12-918A-D35615996CD9}"/>
+                    <a16:creationId xmlns:a16="http://schemas.microsoft.com/office/drawing/2014/main" id="{2F44A5AD-8940-457F-3F8A-A10124E52526}"/>
                   </a:ext>
                 </a:extLst>
               </p:cNvPr>
-              <p:cNvCxnSpPr>
-                <a:cxnSpLocks/>
-                <a:stCxn id="13" idx="1"/>
-              </p:cNvCxnSpPr>
+              <p:cNvSpPr txBox="1"/>
               <p:nvPr/>
-            </p:nvCxnSpPr>
+            </p:nvSpPr>
             <p:spPr>
-              <a:xfrm rot="16200000" flipH="1">
-                <a:off x="3756619" y="2158989"/>
-                <a:ext cx="1" cy="421973"/>
+              <a:xfrm>
+                <a:off x="9191312" y="11470342"/>
+                <a:ext cx="2428240" cy="2031325"/>
               </a:xfrm>
-              <a:prstGeom prst="straightConnector1">
+              <a:prstGeom prst="rect">
                 <a:avLst/>
               </a:prstGeom>
-              <a:ln w="38100">
-                <a:solidFill>
-                  <a:schemeClr val="tx1"/>
-                </a:solidFill>
-                <a:headEnd type="none" w="med" len="med"/>
-                <a:tailEnd type="none" w="med" len="med"/>
-              </a:ln>
+              <a:noFill/>
             </p:spPr>
-            <p:style>
-              <a:lnRef idx="1">
-                <a:schemeClr val="accent1"/>
-              </a:lnRef>
-              <a:fillRef idx="0">
-                <a:schemeClr val="accent1"/>
-              </a:fillRef>
-              <a:effectRef idx="0">
-                <a:schemeClr val="accent1"/>
-              </a:effectRef>
-              <a:fontRef idx="minor">
-                <a:schemeClr val="tx1"/>
-              </a:fontRef>
-            </p:style>
-          </p:cxnSp>
+            <p:txBody>
+              <a:bodyPr wrap="square" rtlCol="0">
+                <a:spAutoFit/>
+              </a:bodyPr>
+              <a:lstStyle/>
+              <a:p>
+                <a:pPr marL="285750" indent="-285750">
+                  <a:buFontTx/>
+                  <a:buChar char="-"/>
+                </a:pPr>
+                <a:r>
+                  <a:rPr lang="fr-FR" dirty="0" err="1"/>
+                  <a:t>Random</a:t>
+                </a:r>
+                <a:r>
+                  <a:rPr lang="fr-FR" dirty="0"/>
+                  <a:t> </a:t>
+                </a:r>
+                <a:r>
+                  <a:rPr lang="fr-FR" dirty="0" err="1"/>
+                  <a:t>ranking</a:t>
+                </a:r>
+                <a:endParaRPr lang="fr-FR" dirty="0"/>
+              </a:p>
+              <a:p>
+                <a:pPr marL="285750" indent="-285750">
+                  <a:buFontTx/>
+                  <a:buChar char="-"/>
+                </a:pPr>
+                <a:r>
+                  <a:rPr lang="fr-FR" dirty="0" err="1"/>
+                  <a:t>Average-based</a:t>
+                </a:r>
+                <a:r>
+                  <a:rPr lang="fr-FR" dirty="0"/>
+                  <a:t> </a:t>
+                </a:r>
+                <a:r>
+                  <a:rPr lang="fr-FR" dirty="0" err="1"/>
+                  <a:t>ranking</a:t>
+                </a:r>
+                <a:r>
+                  <a:rPr lang="fr-FR" dirty="0"/>
+                  <a:t> (</a:t>
+                </a:r>
+                <a:r>
+                  <a:rPr lang="fr-FR" dirty="0" err="1"/>
+                  <a:t>Avg</a:t>
+                </a:r>
+                <a:r>
+                  <a:rPr lang="fr-FR" dirty="0"/>
+                  <a:t>-b)</a:t>
+                </a:r>
+              </a:p>
+              <a:p>
+                <a:pPr marL="285750" indent="-285750">
+                  <a:buFontTx/>
+                  <a:buChar char="-"/>
+                </a:pPr>
+                <a:r>
+                  <a:rPr lang="fr-FR" dirty="0" err="1"/>
+                  <a:t>Kmeans-based</a:t>
+                </a:r>
+                <a:r>
+                  <a:rPr lang="fr-FR" dirty="0"/>
+                  <a:t> </a:t>
+                </a:r>
+                <a:r>
+                  <a:rPr lang="fr-FR" dirty="0" err="1"/>
+                  <a:t>ranking</a:t>
+                </a:r>
+                <a:r>
+                  <a:rPr lang="fr-FR" dirty="0"/>
+                  <a:t> (Km-b)</a:t>
+                </a:r>
+              </a:p>
+              <a:p>
+                <a:pPr marL="285750" indent="-285750">
+                  <a:buFontTx/>
+                  <a:buChar char="-"/>
+                </a:pPr>
+                <a:r>
+                  <a:rPr lang="fr-FR" dirty="0" err="1"/>
+                  <a:t>Avg</a:t>
+                </a:r>
+                <a:r>
+                  <a:rPr lang="fr-FR" dirty="0"/>
+                  <a:t>-b </a:t>
+                </a:r>
+                <a:r>
+                  <a:rPr lang="fr-FR" dirty="0" err="1"/>
+                  <a:t>artist</a:t>
+                </a:r>
+                <a:r>
+                  <a:rPr lang="fr-FR" dirty="0"/>
+                  <a:t> </a:t>
+                </a:r>
+                <a:r>
+                  <a:rPr lang="fr-FR" dirty="0" err="1"/>
+                  <a:t>filtered</a:t>
+                </a:r>
+                <a:endParaRPr lang="fr-FR" dirty="0"/>
+              </a:p>
+              <a:p>
+                <a:pPr marL="285750" indent="-285750">
+                  <a:buFontTx/>
+                  <a:buChar char="-"/>
+                </a:pPr>
+                <a:r>
+                  <a:rPr lang="fr-FR" dirty="0"/>
+                  <a:t>Km-b </a:t>
+                </a:r>
+                <a:r>
+                  <a:rPr lang="fr-FR" dirty="0" err="1"/>
+                  <a:t>artist</a:t>
+                </a:r>
+                <a:r>
+                  <a:rPr lang="fr-FR" dirty="0"/>
+                  <a:t> </a:t>
+                </a:r>
+                <a:r>
+                  <a:rPr lang="fr-FR" dirty="0" err="1"/>
+                  <a:t>filtered</a:t>
+                </a:r>
+                <a:endParaRPr lang="fr-FR" dirty="0"/>
+              </a:p>
+            </p:txBody>
+          </p:sp>
         </p:grpSp>
-        <p:sp>
-          <p:nvSpPr>
-            <p:cNvPr id="28" name="Losange 27">
+        <p:cxnSp>
+          <p:nvCxnSpPr>
+            <p:cNvPr id="14" name="Connecteur : en angle 13">
               <a:extLst>
                 <a:ext uri="{FF2B5EF4-FFF2-40B4-BE49-F238E27FC236}">
-                  <a16:creationId xmlns:a16="http://schemas.microsoft.com/office/drawing/2014/main" id="{357942F2-57E3-C90B-E376-5607B4D5CE69}"/>
-                </a:ext>
-              </a:extLst>
-            </p:cNvPr>
-            <p:cNvSpPr/>
-            <p:nvPr/>
-          </p:nvSpPr>
-          <p:spPr>
-            <a:xfrm>
-              <a:off x="3962398" y="3033703"/>
-              <a:ext cx="3097763" cy="1492899"/>
-            </a:xfrm>
-            <a:prstGeom prst="diamond">
-              <a:avLst/>
-            </a:prstGeom>
-            <a:ln w="38100"/>
-          </p:spPr>
-          <p:style>
-            <a:lnRef idx="2">
-              <a:schemeClr val="dk1"/>
-            </a:lnRef>
-            <a:fillRef idx="1">
-              <a:schemeClr val="lt1"/>
-            </a:fillRef>
-            <a:effectRef idx="0">
-              <a:schemeClr val="dk1"/>
-            </a:effectRef>
-            <a:fontRef idx="minor">
-              <a:schemeClr val="dk1"/>
-            </a:fontRef>
-          </p:style>
-          <p:txBody>
-            <a:bodyPr rtlCol="0" anchor="ctr"/>
-            <a:lstStyle/>
-            <a:p>
-              <a:pPr algn="ctr"/>
-              <a:r>
-                <a:rPr lang="fr-FR" b="1" u="sng" dirty="0"/>
-                <a:t>User </a:t>
-              </a:r>
-              <a:r>
-                <a:rPr lang="fr-FR" b="1" u="sng" dirty="0" err="1"/>
-                <a:t>filtering</a:t>
-              </a:r>
-              <a:endParaRPr lang="fr-FR" b="1" u="sng" dirty="0"/>
-            </a:p>
-            <a:p>
-              <a:pPr marL="285750" indent="-285750">
-                <a:buFontTx/>
-                <a:buChar char="-"/>
-              </a:pPr>
-              <a:r>
-                <a:rPr lang="fr-FR" dirty="0" err="1"/>
-                <a:t>n_list</a:t>
-              </a:r>
-              <a:endParaRPr lang="fr-FR" dirty="0"/>
-            </a:p>
-            <a:p>
-              <a:pPr marL="285750" indent="-285750">
-                <a:buFontTx/>
-                <a:buChar char="-"/>
-              </a:pPr>
-              <a:r>
-                <a:rPr lang="fr-FR" dirty="0" err="1"/>
-                <a:t>n_tracks</a:t>
-              </a:r>
-              <a:endParaRPr lang="fr-FR" dirty="0"/>
-            </a:p>
-          </p:txBody>
-        </p:sp>
-        <p:cxnSp>
-          <p:nvCxnSpPr>
-            <p:cNvPr id="29" name="Connecteur droit avec flèche 28">
-              <a:extLst>
-                <a:ext uri="{FF2B5EF4-FFF2-40B4-BE49-F238E27FC236}">
-                  <a16:creationId xmlns:a16="http://schemas.microsoft.com/office/drawing/2014/main" id="{E9AD6768-D5B1-E118-2788-0F593D08C6E9}"/>
+                  <a16:creationId xmlns:a16="http://schemas.microsoft.com/office/drawing/2014/main" id="{F98E83FF-1F84-6A47-A627-68147789D27A}"/>
                 </a:ext>
               </a:extLst>
             </p:cNvPr>
             <p:cNvCxnSpPr>
               <a:cxnSpLocks/>
+              <a:stCxn id="11" idx="2"/>
+              <a:endCxn id="45" idx="1"/>
             </p:cNvCxnSpPr>
             <p:nvPr/>
           </p:nvCxnSpPr>
           <p:spPr>
-            <a:xfrm>
-              <a:off x="5511279" y="4526602"/>
-              <a:ext cx="0" cy="597170"/>
+            <a:xfrm rot="16200000" flipH="1">
+              <a:off x="5398940" y="11550338"/>
+              <a:ext cx="1015665" cy="925841"/>
             </a:xfrm>
-            <a:prstGeom prst="straightConnector1">
+            <a:prstGeom prst="bentConnector2">
               <a:avLst/>
             </a:prstGeom>
             <a:ln w="38100">
-              <a:solidFill>
-                <a:schemeClr val="tx1"/>
-              </a:solidFill>
-              <a:headEnd type="none" w="med" len="med"/>
-              <a:tailEnd type="triangle" w="med" len="med"/>
+              <a:tailEnd type="triangle"/>
             </a:ln>
           </p:spPr>
           <p:style>
             <a:lnRef idx="1">
-              <a:schemeClr val="accent1"/>
+              <a:schemeClr val="dk1"/>
             </a:lnRef>
             <a:fillRef idx="0">
-              <a:schemeClr val="accent1"/>
+              <a:schemeClr val="dk1"/>
             </a:fillRef>
             <a:effectRef idx="0">
-              <a:schemeClr val="accent1"/>
+              <a:schemeClr val="dk1"/>
             </a:effectRef>
             <a:fontRef idx="minor">
               <a:schemeClr val="tx1"/>
             </a:fontRef>
           </p:style>
         </p:cxnSp>
-        <p:sp>
-          <p:nvSpPr>
-            <p:cNvPr id="31" name="ZoneTexte 30">
-              <a:extLst>
-                <a:ext uri="{FF2B5EF4-FFF2-40B4-BE49-F238E27FC236}">
-                  <a16:creationId xmlns:a16="http://schemas.microsoft.com/office/drawing/2014/main" id="{EA5D9AA4-C818-204D-0D5E-3F72C9F650E8}"/>
-                </a:ext>
-              </a:extLst>
-            </p:cNvPr>
-            <p:cNvSpPr txBox="1"/>
-            <p:nvPr/>
-          </p:nvSpPr>
-          <p:spPr>
-            <a:xfrm>
-              <a:off x="4615541" y="5123772"/>
-              <a:ext cx="1791476" cy="1492899"/>
-            </a:xfrm>
-            <a:prstGeom prst="rect">
-              <a:avLst/>
-            </a:prstGeom>
-            <a:noFill/>
-            <a:ln w="38100">
-              <a:solidFill>
-                <a:schemeClr val="tx1"/>
-              </a:solidFill>
-            </a:ln>
-          </p:spPr>
-          <p:txBody>
-            <a:bodyPr wrap="square" rtlCol="0">
-              <a:normAutofit/>
-            </a:bodyPr>
-            <a:lstStyle/>
-            <a:p>
-              <a:r>
-                <a:rPr lang="fr-FR" b="1" u="sng" dirty="0" err="1"/>
-                <a:t>Filtered</a:t>
-              </a:r>
-              <a:r>
-                <a:rPr lang="fr-FR" b="1" u="sng" dirty="0"/>
-                <a:t> triplets</a:t>
-              </a:r>
-            </a:p>
-            <a:p>
-              <a:pPr marL="285750" indent="-285750">
-                <a:buFontTx/>
-                <a:buChar char="-"/>
-              </a:pPr>
-              <a:r>
-                <a:rPr lang="fr-FR" dirty="0" err="1"/>
-                <a:t>user_id</a:t>
-              </a:r>
-              <a:endParaRPr lang="fr-FR" dirty="0"/>
-            </a:p>
-            <a:p>
-              <a:pPr marL="285750" indent="-285750">
-                <a:buFontTx/>
-                <a:buChar char="-"/>
-              </a:pPr>
-              <a:r>
-                <a:rPr lang="fr-FR" dirty="0" err="1"/>
-                <a:t>Tracks_id</a:t>
-              </a:r>
-              <a:endParaRPr lang="fr-FR" dirty="0"/>
-            </a:p>
-            <a:p>
-              <a:pPr marL="285750" indent="-285750">
-                <a:buFontTx/>
-                <a:buChar char="-"/>
-              </a:pPr>
-              <a:r>
-                <a:rPr lang="fr-FR" dirty="0" err="1"/>
-                <a:t>n_listen</a:t>
-              </a:r>
-              <a:endParaRPr lang="fr-FR" dirty="0"/>
-            </a:p>
-          </p:txBody>
-        </p:sp>
-        <p:grpSp>
-          <p:nvGrpSpPr>
-            <p:cNvPr id="34" name="Groupe 33">
-              <a:extLst>
-                <a:ext uri="{FF2B5EF4-FFF2-40B4-BE49-F238E27FC236}">
-                  <a16:creationId xmlns:a16="http://schemas.microsoft.com/office/drawing/2014/main" id="{16E58047-9DF5-0ABD-E222-EDE94F42C526}"/>
-                </a:ext>
-              </a:extLst>
-            </p:cNvPr>
-            <p:cNvGrpSpPr/>
-            <p:nvPr/>
-          </p:nvGrpSpPr>
-          <p:grpSpPr>
-            <a:xfrm rot="16200000">
-              <a:off x="5194037" y="6854106"/>
-              <a:ext cx="634485" cy="4026390"/>
-              <a:chOff x="2724539" y="1175657"/>
-              <a:chExt cx="1243067" cy="2388637"/>
-            </a:xfrm>
-          </p:grpSpPr>
-          <p:sp>
-            <p:nvSpPr>
-              <p:cNvPr id="35" name="Accolade fermante 34">
-                <a:extLst>
-                  <a:ext uri="{FF2B5EF4-FFF2-40B4-BE49-F238E27FC236}">
-                    <a16:creationId xmlns:a16="http://schemas.microsoft.com/office/drawing/2014/main" id="{A0B48162-905B-9DA4-D470-64149D4F6952}"/>
-                  </a:ext>
-                </a:extLst>
-              </p:cNvPr>
-              <p:cNvSpPr/>
-              <p:nvPr/>
-            </p:nvSpPr>
-            <p:spPr>
-              <a:xfrm>
-                <a:off x="2724539" y="1175657"/>
-                <a:ext cx="821094" cy="2388637"/>
-              </a:xfrm>
-              <a:prstGeom prst="rightBrace">
-                <a:avLst>
-                  <a:gd name="adj1" fmla="val 0"/>
-                  <a:gd name="adj2" fmla="val 50000"/>
-                </a:avLst>
-              </a:prstGeom>
-              <a:ln w="38100">
-                <a:solidFill>
-                  <a:schemeClr val="tx1"/>
-                </a:solidFill>
-              </a:ln>
-            </p:spPr>
-            <p:style>
-              <a:lnRef idx="1">
-                <a:schemeClr val="accent1"/>
-              </a:lnRef>
-              <a:fillRef idx="0">
-                <a:schemeClr val="accent1"/>
-              </a:fillRef>
-              <a:effectRef idx="0">
-                <a:schemeClr val="accent1"/>
-              </a:effectRef>
-              <a:fontRef idx="minor">
-                <a:schemeClr val="tx1"/>
-              </a:fontRef>
-            </p:style>
-            <p:txBody>
-              <a:bodyPr rtlCol="0" anchor="ctr"/>
-              <a:lstStyle/>
-              <a:p>
-                <a:pPr algn="ctr"/>
-                <a:endParaRPr lang="fr-FR"/>
-              </a:p>
-            </p:txBody>
-          </p:sp>
-          <p:cxnSp>
-            <p:nvCxnSpPr>
-              <p:cNvPr id="36" name="Connecteur droit avec flèche 35">
-                <a:extLst>
-                  <a:ext uri="{FF2B5EF4-FFF2-40B4-BE49-F238E27FC236}">
-                    <a16:creationId xmlns:a16="http://schemas.microsoft.com/office/drawing/2014/main" id="{A6188178-4BFA-2DF2-6959-0760F614EF50}"/>
-                  </a:ext>
-                </a:extLst>
-              </p:cNvPr>
-              <p:cNvCxnSpPr>
-                <a:cxnSpLocks/>
-                <a:stCxn id="35" idx="1"/>
-              </p:cNvCxnSpPr>
-              <p:nvPr/>
-            </p:nvCxnSpPr>
-            <p:spPr>
-              <a:xfrm rot="16200000" flipH="1">
-                <a:off x="3756619" y="2158989"/>
-                <a:ext cx="1" cy="421973"/>
-              </a:xfrm>
-              <a:prstGeom prst="straightConnector1">
-                <a:avLst/>
-              </a:prstGeom>
-              <a:ln w="38100">
-                <a:solidFill>
-                  <a:schemeClr val="tx1"/>
-                </a:solidFill>
-                <a:headEnd type="none" w="med" len="med"/>
-                <a:tailEnd type="none" w="med" len="med"/>
-              </a:ln>
-            </p:spPr>
-            <p:style>
-              <a:lnRef idx="1">
-                <a:schemeClr val="accent1"/>
-              </a:lnRef>
-              <a:fillRef idx="0">
-                <a:schemeClr val="accent1"/>
-              </a:fillRef>
-              <a:effectRef idx="0">
-                <a:schemeClr val="accent1"/>
-              </a:effectRef>
-              <a:fontRef idx="minor">
-                <a:schemeClr val="tx1"/>
-              </a:fontRef>
-            </p:style>
-          </p:cxnSp>
-        </p:grpSp>
-        <mc:AlternateContent xmlns:mc="http://schemas.openxmlformats.org/markup-compatibility/2006">
-          <mc:Choice xmlns:a14="http://schemas.microsoft.com/office/drawing/2010/main" Requires="a14">
-            <p:sp>
-              <p:nvSpPr>
-                <p:cNvPr id="38" name="Losange 37">
-                  <a:extLst>
-                    <a:ext uri="{FF2B5EF4-FFF2-40B4-BE49-F238E27FC236}">
-                      <a16:creationId xmlns:a16="http://schemas.microsoft.com/office/drawing/2014/main" id="{6A71B5D2-B4A1-172D-5BF2-39436970B19E}"/>
-                    </a:ext>
-                  </a:extLst>
-                </p:cNvPr>
-                <p:cNvSpPr/>
-                <p:nvPr/>
-              </p:nvSpPr>
-              <p:spPr>
-                <a:xfrm>
-                  <a:off x="3962398" y="7103437"/>
-                  <a:ext cx="3097763" cy="1492899"/>
-                </a:xfrm>
-                <a:prstGeom prst="diamond">
-                  <a:avLst/>
-                </a:prstGeom>
-                <a:ln w="38100"/>
-              </p:spPr>
-              <p:style>
-                <a:lnRef idx="2">
-                  <a:schemeClr val="dk1"/>
-                </a:lnRef>
-                <a:fillRef idx="1">
-                  <a:schemeClr val="lt1"/>
-                </a:fillRef>
-                <a:effectRef idx="0">
-                  <a:schemeClr val="dk1"/>
-                </a:effectRef>
-                <a:fontRef idx="minor">
-                  <a:schemeClr val="dk1"/>
-                </a:fontRef>
-              </p:style>
-              <p:txBody>
-                <a:bodyPr rtlCol="0" anchor="ctr"/>
-                <a:lstStyle/>
-                <a:p>
-                  <a:pPr algn="ctr"/>
-                  <a:r>
-                    <a:rPr lang="fr-FR" b="1" u="sng" dirty="0"/>
-                    <a:t>Data </a:t>
-                  </a:r>
-                  <a:r>
-                    <a:rPr lang="fr-FR" b="1" u="sng" dirty="0" err="1"/>
-                    <a:t>splitting</a:t>
-                  </a:r>
-                  <a:endParaRPr lang="fr-FR" b="1" u="sng" dirty="0"/>
-                </a:p>
-                <a:p>
-                  <a:pPr marL="285750" indent="-285750" algn="ctr">
-                    <a:buFontTx/>
-                    <a:buChar char="-"/>
-                  </a:pPr>
-                  <a14:m>
-                    <m:oMath xmlns:m="http://schemas.openxmlformats.org/officeDocument/2006/math">
-                      <m:r>
-                        <a:rPr lang="fr-FR" b="0" i="1" dirty="0" smtClean="0">
-                          <a:latin typeface="Cambria Math" panose="02040503050406030204" pitchFamily="18" charset="0"/>
-                        </a:rPr>
-                        <m:t>𝑝</m:t>
-                      </m:r>
-                      <m:r>
-                        <a:rPr lang="fr-FR" i="1" dirty="0" smtClean="0">
-                          <a:latin typeface="Cambria Math" panose="02040503050406030204" pitchFamily="18" charset="0"/>
-                          <a:ea typeface="Cambria Math" panose="02040503050406030204" pitchFamily="18" charset="0"/>
-                        </a:rPr>
-                        <m:t>∈</m:t>
-                      </m:r>
-                      <m:r>
-                        <a:rPr lang="fr-FR" b="0" i="1" dirty="0" smtClean="0">
-                          <a:latin typeface="Cambria Math" panose="02040503050406030204" pitchFamily="18" charset="0"/>
-                          <a:ea typeface="Cambria Math" panose="02040503050406030204" pitchFamily="18" charset="0"/>
-                        </a:rPr>
-                        <m:t>[0,1]</m:t>
-                      </m:r>
-                    </m:oMath>
-                  </a14:m>
-                  <a:endParaRPr lang="fr-FR" dirty="0"/>
-                </a:p>
-              </p:txBody>
-            </p:sp>
-          </mc:Choice>
-          <mc:Fallback>
-            <p:sp>
-              <p:nvSpPr>
-                <p:cNvPr id="38" name="Losange 37">
-                  <a:extLst>
-                    <a:ext uri="{FF2B5EF4-FFF2-40B4-BE49-F238E27FC236}">
-                      <a16:creationId xmlns:a16="http://schemas.microsoft.com/office/drawing/2014/main" id="{6A71B5D2-B4A1-172D-5BF2-39436970B19E}"/>
-                    </a:ext>
-                  </a:extLst>
-                </p:cNvPr>
-                <p:cNvSpPr>
-                  <a:spLocks noRot="1" noChangeAspect="1" noMove="1" noResize="1" noEditPoints="1" noAdjustHandles="1" noChangeArrowheads="1" noChangeShapeType="1" noTextEdit="1"/>
-                </p:cNvSpPr>
-                <p:nvPr/>
-              </p:nvSpPr>
-              <p:spPr>
-                <a:xfrm>
-                  <a:off x="3962398" y="7103437"/>
-                  <a:ext cx="3097763" cy="1492899"/>
-                </a:xfrm>
-                <a:prstGeom prst="diamond">
-                  <a:avLst/>
-                </a:prstGeom>
-                <a:blipFill>
-                  <a:blip r:embed="rId2"/>
-                  <a:stretch>
-                    <a:fillRect/>
-                  </a:stretch>
-                </a:blipFill>
-                <a:ln w="38100"/>
-              </p:spPr>
-              <p:txBody>
-                <a:bodyPr/>
-                <a:lstStyle/>
-                <a:p>
-                  <a:r>
-                    <a:rPr lang="fr-FR">
-                      <a:noFill/>
-                    </a:rPr>
-                    <a:t> </a:t>
-                  </a:r>
-                </a:p>
-              </p:txBody>
-            </p:sp>
-          </mc:Fallback>
-        </mc:AlternateContent>
-        <p:cxnSp>
-          <p:nvCxnSpPr>
-            <p:cNvPr id="39" name="Connecteur droit avec flèche 38">
-              <a:extLst>
-                <a:ext uri="{FF2B5EF4-FFF2-40B4-BE49-F238E27FC236}">
-                  <a16:creationId xmlns:a16="http://schemas.microsoft.com/office/drawing/2014/main" id="{E26FFA00-CB88-0FE6-7C86-CD5795A03862}"/>
-                </a:ext>
-              </a:extLst>
-            </p:cNvPr>
-            <p:cNvCxnSpPr>
-              <a:cxnSpLocks/>
-              <a:endCxn id="38" idx="0"/>
-            </p:cNvCxnSpPr>
-            <p:nvPr/>
-          </p:nvCxnSpPr>
-          <p:spPr>
-            <a:xfrm flipH="1">
-              <a:off x="5511280" y="6616671"/>
-              <a:ext cx="2016" cy="486766"/>
-            </a:xfrm>
-            <a:prstGeom prst="straightConnector1">
-              <a:avLst/>
-            </a:prstGeom>
-            <a:ln w="38100">
-              <a:solidFill>
-                <a:schemeClr val="tx1"/>
-              </a:solidFill>
-              <a:headEnd type="none" w="med" len="med"/>
-              <a:tailEnd type="none" w="med" len="med"/>
-            </a:ln>
-          </p:spPr>
-          <p:style>
-            <a:lnRef idx="1">
-              <a:schemeClr val="accent1"/>
-            </a:lnRef>
-            <a:fillRef idx="0">
-              <a:schemeClr val="accent1"/>
-            </a:fillRef>
-            <a:effectRef idx="0">
-              <a:schemeClr val="accent1"/>
-            </a:effectRef>
-            <a:fontRef idx="minor">
-              <a:schemeClr val="tx1"/>
-            </a:fontRef>
-          </p:style>
-        </p:cxnSp>
-        <p:cxnSp>
-          <p:nvCxnSpPr>
-            <p:cNvPr id="41" name="Connecteur droit avec flèche 40">
-              <a:extLst>
-                <a:ext uri="{FF2B5EF4-FFF2-40B4-BE49-F238E27FC236}">
-                  <a16:creationId xmlns:a16="http://schemas.microsoft.com/office/drawing/2014/main" id="{9217DA3A-A5C3-36D3-E252-033F9AA18495}"/>
-                </a:ext>
-              </a:extLst>
-            </p:cNvPr>
-            <p:cNvCxnSpPr>
-              <a:cxnSpLocks/>
-            </p:cNvCxnSpPr>
-            <p:nvPr/>
-          </p:nvCxnSpPr>
-          <p:spPr>
-            <a:xfrm>
-              <a:off x="3498084" y="9033645"/>
-              <a:ext cx="0" cy="597170"/>
-            </a:xfrm>
-            <a:prstGeom prst="straightConnector1">
-              <a:avLst/>
-            </a:prstGeom>
-            <a:ln w="38100">
-              <a:solidFill>
-                <a:schemeClr val="tx1"/>
-              </a:solidFill>
-              <a:headEnd type="none" w="med" len="med"/>
-              <a:tailEnd type="triangle" w="med" len="med"/>
-            </a:ln>
-          </p:spPr>
-          <p:style>
-            <a:lnRef idx="1">
-              <a:schemeClr val="accent1"/>
-            </a:lnRef>
-            <a:fillRef idx="0">
-              <a:schemeClr val="accent1"/>
-            </a:fillRef>
-            <a:effectRef idx="0">
-              <a:schemeClr val="accent1"/>
-            </a:effectRef>
-            <a:fontRef idx="minor">
-              <a:schemeClr val="tx1"/>
-            </a:fontRef>
-          </p:style>
-        </p:cxnSp>
-        <p:cxnSp>
-          <p:nvCxnSpPr>
-            <p:cNvPr id="42" name="Connecteur droit avec flèche 41">
-              <a:extLst>
-                <a:ext uri="{FF2B5EF4-FFF2-40B4-BE49-F238E27FC236}">
-                  <a16:creationId xmlns:a16="http://schemas.microsoft.com/office/drawing/2014/main" id="{A7B743EA-0970-648B-A5AC-55D7E330CEA9}"/>
-                </a:ext>
-              </a:extLst>
-            </p:cNvPr>
-            <p:cNvCxnSpPr>
-              <a:cxnSpLocks/>
-            </p:cNvCxnSpPr>
-            <p:nvPr/>
-          </p:nvCxnSpPr>
-          <p:spPr>
-            <a:xfrm>
-              <a:off x="7524475" y="9033644"/>
-              <a:ext cx="0" cy="597170"/>
-            </a:xfrm>
-            <a:prstGeom prst="straightConnector1">
-              <a:avLst/>
-            </a:prstGeom>
-            <a:ln w="38100">
-              <a:solidFill>
-                <a:schemeClr val="tx1"/>
-              </a:solidFill>
-              <a:headEnd type="none" w="med" len="med"/>
-              <a:tailEnd type="triangle" w="med" len="med"/>
-            </a:ln>
-          </p:spPr>
-          <p:style>
-            <a:lnRef idx="1">
-              <a:schemeClr val="accent1"/>
-            </a:lnRef>
-            <a:fillRef idx="0">
-              <a:schemeClr val="accent1"/>
-            </a:fillRef>
-            <a:effectRef idx="0">
-              <a:schemeClr val="accent1"/>
-            </a:effectRef>
-            <a:fontRef idx="minor">
-              <a:schemeClr val="tx1"/>
-            </a:fontRef>
-          </p:style>
-        </p:cxnSp>
-        <p:sp>
-          <p:nvSpPr>
-            <p:cNvPr id="43" name="ZoneTexte 42">
-              <a:extLst>
-                <a:ext uri="{FF2B5EF4-FFF2-40B4-BE49-F238E27FC236}">
-                  <a16:creationId xmlns:a16="http://schemas.microsoft.com/office/drawing/2014/main" id="{FA6B09A8-24C3-1099-D9AE-547F55C2C964}"/>
-                </a:ext>
-              </a:extLst>
-            </p:cNvPr>
-            <p:cNvSpPr txBox="1"/>
-            <p:nvPr/>
-          </p:nvSpPr>
-          <p:spPr>
-            <a:xfrm>
-              <a:off x="6568531" y="9621859"/>
-              <a:ext cx="1949205" cy="1492899"/>
-            </a:xfrm>
-            <a:prstGeom prst="rect">
-              <a:avLst/>
-            </a:prstGeom>
-            <a:noFill/>
-            <a:ln w="38100">
-              <a:solidFill>
-                <a:schemeClr val="tx1"/>
-              </a:solidFill>
-            </a:ln>
-          </p:spPr>
-          <p:txBody>
-            <a:bodyPr wrap="square" rtlCol="0">
-              <a:normAutofit/>
-            </a:bodyPr>
-            <a:lstStyle/>
-            <a:p>
-              <a:r>
-                <a:rPr lang="fr-FR" b="1" u="sng" dirty="0"/>
-                <a:t>Apparent triplets</a:t>
-              </a:r>
-            </a:p>
-            <a:p>
-              <a:pPr marL="285750" indent="-285750">
-                <a:buFontTx/>
-                <a:buChar char="-"/>
-              </a:pPr>
-              <a:r>
-                <a:rPr lang="fr-FR" dirty="0" err="1"/>
-                <a:t>user_id</a:t>
-              </a:r>
-              <a:endParaRPr lang="fr-FR" dirty="0"/>
-            </a:p>
-            <a:p>
-              <a:pPr marL="285750" indent="-285750">
-                <a:buFontTx/>
-                <a:buChar char="-"/>
-              </a:pPr>
-              <a:r>
-                <a:rPr lang="fr-FR" dirty="0" err="1"/>
-                <a:t>tracks_id</a:t>
-              </a:r>
-              <a:endParaRPr lang="fr-FR" dirty="0"/>
-            </a:p>
-            <a:p>
-              <a:pPr marL="285750" indent="-285750">
-                <a:buFontTx/>
-                <a:buChar char="-"/>
-              </a:pPr>
-              <a:r>
-                <a:rPr lang="fr-FR" dirty="0" err="1"/>
-                <a:t>n_listen</a:t>
-              </a:r>
-              <a:endParaRPr lang="fr-FR" dirty="0"/>
-            </a:p>
-          </p:txBody>
-        </p:sp>
-        <p:sp>
-          <p:nvSpPr>
-            <p:cNvPr id="44" name="ZoneTexte 43">
-              <a:extLst>
-                <a:ext uri="{FF2B5EF4-FFF2-40B4-BE49-F238E27FC236}">
-                  <a16:creationId xmlns:a16="http://schemas.microsoft.com/office/drawing/2014/main" id="{6373D64C-3143-39E3-9030-19CA5FA9D135}"/>
-                </a:ext>
-              </a:extLst>
-            </p:cNvPr>
-            <p:cNvSpPr txBox="1"/>
-            <p:nvPr/>
-          </p:nvSpPr>
-          <p:spPr>
-            <a:xfrm>
-              <a:off x="2602346" y="9630814"/>
-              <a:ext cx="1791476" cy="1492899"/>
-            </a:xfrm>
-            <a:prstGeom prst="rect">
-              <a:avLst/>
-            </a:prstGeom>
-            <a:noFill/>
-            <a:ln w="38100">
-              <a:solidFill>
-                <a:schemeClr val="tx1"/>
-              </a:solidFill>
-            </a:ln>
-          </p:spPr>
-          <p:txBody>
-            <a:bodyPr wrap="square" rtlCol="0">
-              <a:normAutofit/>
-            </a:bodyPr>
-            <a:lstStyle/>
-            <a:p>
-              <a:r>
-                <a:rPr lang="fr-FR" b="1" u="sng" dirty="0" err="1"/>
-                <a:t>Hidden</a:t>
-              </a:r>
-              <a:r>
-                <a:rPr lang="fr-FR" b="1" u="sng" dirty="0"/>
-                <a:t> triplets</a:t>
-              </a:r>
-            </a:p>
-            <a:p>
-              <a:pPr marL="285750" indent="-285750">
-                <a:buFontTx/>
-                <a:buChar char="-"/>
-              </a:pPr>
-              <a:r>
-                <a:rPr lang="fr-FR" dirty="0" err="1"/>
-                <a:t>user_id</a:t>
-              </a:r>
-              <a:endParaRPr lang="fr-FR" dirty="0"/>
-            </a:p>
-            <a:p>
-              <a:pPr marL="285750" indent="-285750">
-                <a:buFontTx/>
-                <a:buChar char="-"/>
-              </a:pPr>
-              <a:r>
-                <a:rPr lang="fr-FR" dirty="0" err="1"/>
-                <a:t>tracks_id</a:t>
-              </a:r>
-              <a:endParaRPr lang="fr-FR" dirty="0"/>
-            </a:p>
-            <a:p>
-              <a:pPr marL="285750" indent="-285750">
-                <a:buFontTx/>
-                <a:buChar char="-"/>
-              </a:pPr>
-              <a:r>
-                <a:rPr lang="fr-FR" dirty="0" err="1"/>
-                <a:t>n_listen</a:t>
-              </a:r>
-              <a:endParaRPr lang="fr-FR" dirty="0"/>
-            </a:p>
-          </p:txBody>
-        </p:sp>
-        <p:sp>
-          <p:nvSpPr>
-            <p:cNvPr id="45" name="Losange 44">
-              <a:extLst>
-                <a:ext uri="{FF2B5EF4-FFF2-40B4-BE49-F238E27FC236}">
-                  <a16:creationId xmlns:a16="http://schemas.microsoft.com/office/drawing/2014/main" id="{1D708836-DAA1-A416-A2E6-6A8CFBEB7685}"/>
-                </a:ext>
-              </a:extLst>
-            </p:cNvPr>
-            <p:cNvSpPr/>
-            <p:nvPr/>
-          </p:nvSpPr>
-          <p:spPr>
-            <a:xfrm>
-              <a:off x="6407017" y="11739557"/>
-              <a:ext cx="2296994" cy="1492899"/>
-            </a:xfrm>
-            <a:prstGeom prst="diamond">
-              <a:avLst/>
-            </a:prstGeom>
-            <a:ln w="38100"/>
-          </p:spPr>
-          <p:style>
-            <a:lnRef idx="2">
-              <a:schemeClr val="dk1"/>
-            </a:lnRef>
-            <a:fillRef idx="1">
-              <a:schemeClr val="lt1"/>
-            </a:fillRef>
-            <a:effectRef idx="0">
-              <a:schemeClr val="dk1"/>
-            </a:effectRef>
-            <a:fontRef idx="minor">
-              <a:schemeClr val="dk1"/>
-            </a:fontRef>
-          </p:style>
-          <p:txBody>
-            <a:bodyPr rtlCol="0" anchor="ctr"/>
-            <a:lstStyle/>
-            <a:p>
-              <a:pPr algn="ctr"/>
-              <a:r>
-                <a:rPr lang="fr-FR" b="1" dirty="0" err="1"/>
-                <a:t>Recom</a:t>
-              </a:r>
-              <a:r>
-                <a:rPr lang="fr-FR" b="1" dirty="0"/>
-                <a:t>. </a:t>
-              </a:r>
-              <a:r>
-                <a:rPr lang="fr-FR" b="1" dirty="0" err="1"/>
-                <a:t>algorithm</a:t>
-              </a:r>
-              <a:endParaRPr lang="fr-FR" b="1" dirty="0"/>
-            </a:p>
-          </p:txBody>
-        </p:sp>
-        <p:cxnSp>
-          <p:nvCxnSpPr>
-            <p:cNvPr id="46" name="Connecteur droit avec flèche 45">
-              <a:extLst>
-                <a:ext uri="{FF2B5EF4-FFF2-40B4-BE49-F238E27FC236}">
-                  <a16:creationId xmlns:a16="http://schemas.microsoft.com/office/drawing/2014/main" id="{92243FD9-183F-4F22-5353-51EFAC34A29C}"/>
-                </a:ext>
-              </a:extLst>
-            </p:cNvPr>
-            <p:cNvCxnSpPr>
-              <a:cxnSpLocks/>
-            </p:cNvCxnSpPr>
-            <p:nvPr/>
-          </p:nvCxnSpPr>
-          <p:spPr>
-            <a:xfrm>
-              <a:off x="7543134" y="11123712"/>
-              <a:ext cx="0" cy="597170"/>
-            </a:xfrm>
-            <a:prstGeom prst="straightConnector1">
-              <a:avLst/>
-            </a:prstGeom>
-            <a:ln w="38100">
-              <a:solidFill>
-                <a:schemeClr val="tx1"/>
-              </a:solidFill>
-              <a:headEnd type="none" w="med" len="med"/>
-              <a:tailEnd type="none" w="med" len="med"/>
-            </a:ln>
-          </p:spPr>
-          <p:style>
-            <a:lnRef idx="1">
-              <a:schemeClr val="accent1"/>
-            </a:lnRef>
-            <a:fillRef idx="0">
-              <a:schemeClr val="accent1"/>
-            </a:fillRef>
-            <a:effectRef idx="0">
-              <a:schemeClr val="accent1"/>
-            </a:effectRef>
-            <a:fontRef idx="minor">
-              <a:schemeClr val="tx1"/>
-            </a:fontRef>
-          </p:style>
-        </p:cxnSp>
-        <p:cxnSp>
-          <p:nvCxnSpPr>
-            <p:cNvPr id="47" name="Connecteur droit avec flèche 46">
-              <a:extLst>
-                <a:ext uri="{FF2B5EF4-FFF2-40B4-BE49-F238E27FC236}">
-                  <a16:creationId xmlns:a16="http://schemas.microsoft.com/office/drawing/2014/main" id="{425B8720-962A-1648-1111-D7DEEC607E53}"/>
-                </a:ext>
-              </a:extLst>
-            </p:cNvPr>
-            <p:cNvCxnSpPr>
-              <a:cxnSpLocks/>
-            </p:cNvCxnSpPr>
-            <p:nvPr/>
-          </p:nvCxnSpPr>
-          <p:spPr>
-            <a:xfrm>
-              <a:off x="7543132" y="13223501"/>
-              <a:ext cx="0" cy="597170"/>
-            </a:xfrm>
-            <a:prstGeom prst="straightConnector1">
-              <a:avLst/>
-            </a:prstGeom>
-            <a:ln w="38100">
-              <a:solidFill>
-                <a:schemeClr val="tx1"/>
-              </a:solidFill>
-              <a:headEnd type="none" w="med" len="med"/>
-              <a:tailEnd type="triangle" w="med" len="med"/>
-            </a:ln>
-          </p:spPr>
-          <p:style>
-            <a:lnRef idx="1">
-              <a:schemeClr val="accent1"/>
-            </a:lnRef>
-            <a:fillRef idx="0">
-              <a:schemeClr val="accent1"/>
-            </a:fillRef>
-            <a:effectRef idx="0">
-              <a:schemeClr val="accent1"/>
-            </a:effectRef>
-            <a:fontRef idx="minor">
-              <a:schemeClr val="tx1"/>
-            </a:fontRef>
-          </p:style>
-        </p:cxnSp>
-        <p:sp>
-          <p:nvSpPr>
-            <p:cNvPr id="48" name="ZoneTexte 47">
-              <a:extLst>
-                <a:ext uri="{FF2B5EF4-FFF2-40B4-BE49-F238E27FC236}">
-                  <a16:creationId xmlns:a16="http://schemas.microsoft.com/office/drawing/2014/main" id="{E1197094-C00E-8538-43B9-892F556C7E14}"/>
-                </a:ext>
-              </a:extLst>
-            </p:cNvPr>
-            <p:cNvSpPr txBox="1"/>
-            <p:nvPr/>
-          </p:nvSpPr>
-          <p:spPr>
-            <a:xfrm>
-              <a:off x="6568531" y="13820671"/>
-              <a:ext cx="1949205" cy="1343622"/>
-            </a:xfrm>
-            <a:prstGeom prst="rect">
-              <a:avLst/>
-            </a:prstGeom>
-            <a:noFill/>
-            <a:ln w="38100">
-              <a:solidFill>
-                <a:schemeClr val="tx1"/>
-              </a:solidFill>
-            </a:ln>
-          </p:spPr>
-          <p:txBody>
-            <a:bodyPr wrap="square" rtlCol="0">
-              <a:normAutofit/>
-            </a:bodyPr>
-            <a:lstStyle/>
-            <a:p>
-              <a:r>
-                <a:rPr lang="fr-FR" b="1" u="sng" dirty="0" err="1"/>
-                <a:t>Recommended</a:t>
-              </a:r>
-              <a:r>
-                <a:rPr lang="fr-FR" b="1" u="sng" dirty="0"/>
-                <a:t> </a:t>
-              </a:r>
-              <a:r>
-                <a:rPr lang="fr-FR" b="1" u="sng" dirty="0" err="1"/>
-                <a:t>tracks</a:t>
-              </a:r>
-              <a:endParaRPr lang="fr-FR" b="1" u="sng" dirty="0"/>
-            </a:p>
-            <a:p>
-              <a:pPr marL="285750" indent="-285750">
-                <a:buFontTx/>
-                <a:buChar char="-"/>
-              </a:pPr>
-              <a:r>
-                <a:rPr lang="fr-FR" dirty="0" err="1"/>
-                <a:t>user_id</a:t>
-              </a:r>
-              <a:endParaRPr lang="fr-FR" dirty="0"/>
-            </a:p>
-            <a:p>
-              <a:pPr marL="285750" indent="-285750">
-                <a:buFontTx/>
-                <a:buChar char="-"/>
-              </a:pPr>
-              <a:r>
-                <a:rPr lang="fr-FR" dirty="0" err="1"/>
-                <a:t>tracks_id</a:t>
-              </a:r>
-              <a:endParaRPr lang="fr-FR" dirty="0"/>
-            </a:p>
-          </p:txBody>
-        </p:sp>
-        <p:cxnSp>
-          <p:nvCxnSpPr>
-            <p:cNvPr id="49" name="Connecteur droit avec flèche 48">
-              <a:extLst>
-                <a:ext uri="{FF2B5EF4-FFF2-40B4-BE49-F238E27FC236}">
-                  <a16:creationId xmlns:a16="http://schemas.microsoft.com/office/drawing/2014/main" id="{619858E9-05AC-0D70-69FA-4F895DCB49DB}"/>
-                </a:ext>
-              </a:extLst>
-            </p:cNvPr>
-            <p:cNvCxnSpPr>
-              <a:cxnSpLocks/>
-              <a:endCxn id="51" idx="0"/>
-            </p:cNvCxnSpPr>
-            <p:nvPr/>
-          </p:nvCxnSpPr>
-          <p:spPr>
-            <a:xfrm flipH="1">
-              <a:off x="3498084" y="11153659"/>
-              <a:ext cx="1" cy="2592373"/>
-            </a:xfrm>
-            <a:prstGeom prst="straightConnector1">
-              <a:avLst/>
-            </a:prstGeom>
-            <a:ln w="38100">
-              <a:solidFill>
-                <a:schemeClr val="tx1"/>
-              </a:solidFill>
-              <a:headEnd type="none" w="med" len="med"/>
-              <a:tailEnd type="triangle" w="med" len="med"/>
-            </a:ln>
-          </p:spPr>
-          <p:style>
-            <a:lnRef idx="1">
-              <a:schemeClr val="accent1"/>
-            </a:lnRef>
-            <a:fillRef idx="0">
-              <a:schemeClr val="accent1"/>
-            </a:fillRef>
-            <a:effectRef idx="0">
-              <a:schemeClr val="accent1"/>
-            </a:effectRef>
-            <a:fontRef idx="minor">
-              <a:schemeClr val="tx1"/>
-            </a:fontRef>
-          </p:style>
-        </p:cxnSp>
-        <p:sp>
-          <p:nvSpPr>
-            <p:cNvPr id="51" name="Losange 50">
-              <a:extLst>
-                <a:ext uri="{FF2B5EF4-FFF2-40B4-BE49-F238E27FC236}">
-                  <a16:creationId xmlns:a16="http://schemas.microsoft.com/office/drawing/2014/main" id="{F1C33EB5-8F15-9FD0-C90F-FF5EF0ADF0D7}"/>
-                </a:ext>
-              </a:extLst>
-            </p:cNvPr>
-            <p:cNvSpPr/>
-            <p:nvPr/>
-          </p:nvSpPr>
-          <p:spPr>
-            <a:xfrm>
-              <a:off x="1827905" y="13746032"/>
-              <a:ext cx="3340357" cy="1492899"/>
-            </a:xfrm>
-            <a:prstGeom prst="diamond">
-              <a:avLst/>
-            </a:prstGeom>
-            <a:ln w="38100"/>
-          </p:spPr>
-          <p:style>
-            <a:lnRef idx="2">
-              <a:schemeClr val="dk1"/>
-            </a:lnRef>
-            <a:fillRef idx="1">
-              <a:schemeClr val="lt1"/>
-            </a:fillRef>
-            <a:effectRef idx="0">
-              <a:schemeClr val="dk1"/>
-            </a:effectRef>
-            <a:fontRef idx="minor">
-              <a:schemeClr val="dk1"/>
-            </a:fontRef>
-          </p:style>
-          <p:txBody>
-            <a:bodyPr rtlCol="0" anchor="ctr"/>
-            <a:lstStyle/>
-            <a:p>
-              <a:pPr algn="ctr"/>
-              <a:r>
-                <a:rPr lang="fr-FR" b="1" dirty="0"/>
-                <a:t>Matching Score</a:t>
-              </a:r>
-            </a:p>
-          </p:txBody>
-        </p:sp>
-        <p:cxnSp>
-          <p:nvCxnSpPr>
-            <p:cNvPr id="54" name="Connecteur droit avec flèche 53">
-              <a:extLst>
-                <a:ext uri="{FF2B5EF4-FFF2-40B4-BE49-F238E27FC236}">
-                  <a16:creationId xmlns:a16="http://schemas.microsoft.com/office/drawing/2014/main" id="{D4D0590D-6C75-C6D8-FA72-452B0E2DB25E}"/>
-                </a:ext>
-              </a:extLst>
-            </p:cNvPr>
-            <p:cNvCxnSpPr>
-              <a:cxnSpLocks/>
-              <a:stCxn id="48" idx="1"/>
-              <a:endCxn id="51" idx="3"/>
-            </p:cNvCxnSpPr>
-            <p:nvPr/>
-          </p:nvCxnSpPr>
-          <p:spPr>
-            <a:xfrm flipH="1">
-              <a:off x="5168262" y="14492482"/>
-              <a:ext cx="1400269" cy="0"/>
-            </a:xfrm>
-            <a:prstGeom prst="straightConnector1">
-              <a:avLst/>
-            </a:prstGeom>
-            <a:ln w="38100">
-              <a:solidFill>
-                <a:schemeClr val="tx1"/>
-              </a:solidFill>
-              <a:headEnd type="none" w="med" len="med"/>
-              <a:tailEnd type="triangle" w="med" len="med"/>
-            </a:ln>
-          </p:spPr>
-          <p:style>
-            <a:lnRef idx="1">
-              <a:schemeClr val="accent1"/>
-            </a:lnRef>
-            <a:fillRef idx="0">
-              <a:schemeClr val="accent1"/>
-            </a:fillRef>
-            <a:effectRef idx="0">
-              <a:schemeClr val="accent1"/>
-            </a:effectRef>
-            <a:fontRef idx="minor">
-              <a:schemeClr val="tx1"/>
-            </a:fontRef>
-          </p:style>
-        </p:cxnSp>
-        <p:sp>
-          <p:nvSpPr>
-            <p:cNvPr id="61" name="Accolade ouvrante 60">
-              <a:extLst>
-                <a:ext uri="{FF2B5EF4-FFF2-40B4-BE49-F238E27FC236}">
-                  <a16:creationId xmlns:a16="http://schemas.microsoft.com/office/drawing/2014/main" id="{FA5076AF-F848-ADB9-EC63-76948976D710}"/>
-                </a:ext>
-              </a:extLst>
-            </p:cNvPr>
-            <p:cNvSpPr/>
-            <p:nvPr/>
-          </p:nvSpPr>
-          <p:spPr>
-            <a:xfrm>
-              <a:off x="8910320" y="11625950"/>
-              <a:ext cx="508000" cy="1720111"/>
-            </a:xfrm>
-            <a:prstGeom prst="leftBrace">
-              <a:avLst/>
-            </a:prstGeom>
-            <a:ln w="38100">
-              <a:solidFill>
-                <a:schemeClr val="tx1"/>
-              </a:solidFill>
-            </a:ln>
-          </p:spPr>
-          <p:style>
-            <a:lnRef idx="1">
-              <a:schemeClr val="accent1"/>
-            </a:lnRef>
-            <a:fillRef idx="0">
-              <a:schemeClr val="accent1"/>
-            </a:fillRef>
-            <a:effectRef idx="0">
-              <a:schemeClr val="accent1"/>
-            </a:effectRef>
-            <a:fontRef idx="minor">
-              <a:schemeClr val="tx1"/>
-            </a:fontRef>
-          </p:style>
-          <p:txBody>
-            <a:bodyPr rtlCol="0" anchor="ctr"/>
-            <a:lstStyle/>
-            <a:p>
-              <a:pPr algn="ctr"/>
-              <a:endParaRPr lang="fr-FR"/>
-            </a:p>
-          </p:txBody>
-        </p:sp>
-        <p:sp>
-          <p:nvSpPr>
-            <p:cNvPr id="62" name="ZoneTexte 61">
-              <a:extLst>
-                <a:ext uri="{FF2B5EF4-FFF2-40B4-BE49-F238E27FC236}">
-                  <a16:creationId xmlns:a16="http://schemas.microsoft.com/office/drawing/2014/main" id="{2F44A5AD-8940-457F-3F8A-A10124E52526}"/>
-                </a:ext>
-              </a:extLst>
-            </p:cNvPr>
-            <p:cNvSpPr txBox="1"/>
-            <p:nvPr/>
-          </p:nvSpPr>
-          <p:spPr>
-            <a:xfrm>
-              <a:off x="9418320" y="11608842"/>
-              <a:ext cx="2428240" cy="1754326"/>
-            </a:xfrm>
-            <a:prstGeom prst="rect">
-              <a:avLst/>
-            </a:prstGeom>
-            <a:noFill/>
-          </p:spPr>
-          <p:txBody>
-            <a:bodyPr wrap="square" rtlCol="0">
-              <a:spAutoFit/>
-            </a:bodyPr>
-            <a:lstStyle/>
-            <a:p>
-              <a:pPr marL="285750" indent="-285750">
-                <a:buFontTx/>
-                <a:buChar char="-"/>
-              </a:pPr>
-              <a:r>
-                <a:rPr lang="fr-FR" dirty="0" err="1"/>
-                <a:t>Random</a:t>
-              </a:r>
-              <a:r>
-                <a:rPr lang="fr-FR" dirty="0"/>
-                <a:t> reco. (Pierre)</a:t>
-              </a:r>
-            </a:p>
-            <a:p>
-              <a:pPr marL="285750" indent="-285750">
-                <a:buFontTx/>
-                <a:buChar char="-"/>
-              </a:pPr>
-              <a:r>
-                <a:rPr lang="fr-FR" dirty="0"/>
-                <a:t>Content </a:t>
-              </a:r>
-              <a:r>
-                <a:rPr lang="fr-FR" dirty="0" err="1"/>
-                <a:t>based</a:t>
-              </a:r>
-              <a:r>
-                <a:rPr lang="fr-FR" dirty="0"/>
-                <a:t> </a:t>
-              </a:r>
-              <a:r>
-                <a:rPr lang="fr-FR" dirty="0" err="1"/>
-                <a:t>recom</a:t>
-              </a:r>
-              <a:r>
-                <a:rPr lang="fr-FR" dirty="0"/>
-                <a:t>. (Ben)</a:t>
-              </a:r>
-            </a:p>
-            <a:p>
-              <a:pPr marL="285750" indent="-285750">
-                <a:buFontTx/>
-                <a:buChar char="-"/>
-              </a:pPr>
-              <a:r>
-                <a:rPr lang="fr-FR" dirty="0"/>
-                <a:t>Collaborative </a:t>
-              </a:r>
-              <a:r>
-                <a:rPr lang="fr-FR" dirty="0" err="1"/>
-                <a:t>filtering</a:t>
-              </a:r>
-              <a:r>
-                <a:rPr lang="fr-FR" dirty="0"/>
-                <a:t> (Arnaud)</a:t>
-              </a:r>
-            </a:p>
-          </p:txBody>
-        </p:sp>
-        <p:sp>
-          <p:nvSpPr>
-            <p:cNvPr id="64" name="Accolade ouvrante 63">
-              <a:extLst>
-                <a:ext uri="{FF2B5EF4-FFF2-40B4-BE49-F238E27FC236}">
-                  <a16:creationId xmlns:a16="http://schemas.microsoft.com/office/drawing/2014/main" id="{766406E7-E109-5BA5-B0EE-60F85EECA5C5}"/>
-                </a:ext>
-              </a:extLst>
-            </p:cNvPr>
-            <p:cNvSpPr/>
-            <p:nvPr/>
-          </p:nvSpPr>
-          <p:spPr>
-            <a:xfrm>
-              <a:off x="1388764" y="2580080"/>
-              <a:ext cx="353326" cy="12032511"/>
-            </a:xfrm>
-            <a:prstGeom prst="leftBrace">
-              <a:avLst/>
-            </a:prstGeom>
-            <a:ln w="38100">
-              <a:solidFill>
-                <a:schemeClr val="tx1"/>
-              </a:solidFill>
-            </a:ln>
-          </p:spPr>
-          <p:style>
-            <a:lnRef idx="1">
-              <a:schemeClr val="accent1"/>
-            </a:lnRef>
-            <a:fillRef idx="0">
-              <a:schemeClr val="accent1"/>
-            </a:fillRef>
-            <a:effectRef idx="0">
-              <a:schemeClr val="accent1"/>
-            </a:effectRef>
-            <a:fontRef idx="minor">
-              <a:schemeClr val="tx1"/>
-            </a:fontRef>
-          </p:style>
-          <p:txBody>
-            <a:bodyPr rtlCol="0" anchor="ctr"/>
-            <a:lstStyle/>
-            <a:p>
-              <a:pPr algn="ctr"/>
-              <a:endParaRPr lang="fr-FR"/>
-            </a:p>
-          </p:txBody>
-        </p:sp>
-        <p:sp>
-          <p:nvSpPr>
-            <p:cNvPr id="65" name="ZoneTexte 64">
-              <a:extLst>
-                <a:ext uri="{FF2B5EF4-FFF2-40B4-BE49-F238E27FC236}">
-                  <a16:creationId xmlns:a16="http://schemas.microsoft.com/office/drawing/2014/main" id="{CC9C09BA-5E92-98FA-64EC-B3B55E8DB360}"/>
-                </a:ext>
-              </a:extLst>
-            </p:cNvPr>
-            <p:cNvSpPr txBox="1"/>
-            <p:nvPr/>
-          </p:nvSpPr>
-          <p:spPr>
-            <a:xfrm>
-              <a:off x="292951" y="8168816"/>
-              <a:ext cx="1095813" cy="646331"/>
-            </a:xfrm>
-            <a:prstGeom prst="rect">
-              <a:avLst/>
-            </a:prstGeom>
-            <a:noFill/>
-          </p:spPr>
-          <p:txBody>
-            <a:bodyPr wrap="none" rtlCol="0">
-              <a:spAutoFit/>
-            </a:bodyPr>
-            <a:lstStyle/>
-            <a:p>
-              <a:r>
-                <a:rPr lang="fr-FR" dirty="0"/>
-                <a:t>Workflow</a:t>
-              </a:r>
-            </a:p>
-            <a:p>
-              <a:r>
-                <a:rPr lang="fr-FR" dirty="0"/>
-                <a:t>(Pierre)</a:t>
-              </a:r>
-            </a:p>
-          </p:txBody>
-        </p:sp>
       </p:grpSp>
     </p:spTree>
     <p:extLst>
